--- a/pdf/CSS GRID.pptx
+++ b/pdf/CSS GRID.pptx
@@ -17,9 +17,14 @@
     <p:sldId id="266" r:id="rId11"/>
     <p:sldId id="265" r:id="rId12"/>
     <p:sldId id="267" r:id="rId13"/>
-    <p:sldId id="268" r:id="rId14"/>
-    <p:sldId id="269" r:id="rId15"/>
-    <p:sldId id="270" r:id="rId16"/>
+    <p:sldId id="269" r:id="rId14"/>
+    <p:sldId id="271" r:id="rId15"/>
+    <p:sldId id="268" r:id="rId16"/>
+    <p:sldId id="270" r:id="rId17"/>
+    <p:sldId id="272" r:id="rId18"/>
+    <p:sldId id="273" r:id="rId19"/>
+    <p:sldId id="274" r:id="rId20"/>
+    <p:sldId id="275" r:id="rId21"/>
   </p:sldIdLst>
   <p:sldSz cx="12192000" cy="6858000"/>
   <p:notesSz cx="6858000" cy="9144000"/>
@@ -483,7 +488,7 @@
           <a:p>
             <a:fld id="{1BB75345-529D-4AF0-9650-DF65D3362993}" type="datetimeFigureOut">
               <a:rPr lang="en-US" smtClean="0"/>
-              <a:t>12/4/2025</a:t>
+              <a:t>12/5/2025</a:t>
             </a:fld>
             <a:endParaRPr lang="en-US"/>
           </a:p>
@@ -1578,7 +1583,7 @@
           <a:p>
             <a:fld id="{1BB75345-529D-4AF0-9650-DF65D3362993}" type="datetimeFigureOut">
               <a:rPr lang="en-US" smtClean="0"/>
-              <a:t>12/4/2025</a:t>
+              <a:t>12/5/2025</a:t>
             </a:fld>
             <a:endParaRPr lang="en-US"/>
           </a:p>
@@ -2558,7 +2563,7 @@
           <a:p>
             <a:fld id="{1BB75345-529D-4AF0-9650-DF65D3362993}" type="datetimeFigureOut">
               <a:rPr lang="en-US" smtClean="0"/>
-              <a:t>12/4/2025</a:t>
+              <a:t>12/5/2025</a:t>
             </a:fld>
             <a:endParaRPr lang="en-US"/>
           </a:p>
@@ -3692,7 +3697,7 @@
           <a:p>
             <a:fld id="{1BB75345-529D-4AF0-9650-DF65D3362993}" type="datetimeFigureOut">
               <a:rPr lang="en-US" smtClean="0"/>
-              <a:t>12/4/2025</a:t>
+              <a:t>12/5/2025</a:t>
             </a:fld>
             <a:endParaRPr lang="en-US"/>
           </a:p>
@@ -4725,7 +4730,7 @@
           <a:p>
             <a:fld id="{1BB75345-529D-4AF0-9650-DF65D3362993}" type="datetimeFigureOut">
               <a:rPr lang="en-US" smtClean="0"/>
-              <a:t>12/4/2025</a:t>
+              <a:t>12/5/2025</a:t>
             </a:fld>
             <a:endParaRPr lang="en-US"/>
           </a:p>
@@ -5385,7 +5390,7 @@
           <a:p>
             <a:fld id="{1BB75345-529D-4AF0-9650-DF65D3362993}" type="datetimeFigureOut">
               <a:rPr lang="en-US" smtClean="0"/>
-              <a:t>12/4/2025</a:t>
+              <a:t>12/5/2025</a:t>
             </a:fld>
             <a:endParaRPr lang="en-US"/>
           </a:p>
@@ -6246,7 +6251,7 @@
           <a:p>
             <a:fld id="{1BB75345-529D-4AF0-9650-DF65D3362993}" type="datetimeFigureOut">
               <a:rPr lang="en-US" smtClean="0"/>
-              <a:t>12/4/2025</a:t>
+              <a:t>12/5/2025</a:t>
             </a:fld>
             <a:endParaRPr lang="en-US"/>
           </a:p>
@@ -6436,7 +6441,7 @@
           <a:p>
             <a:fld id="{1BB75345-529D-4AF0-9650-DF65D3362993}" type="datetimeFigureOut">
               <a:rPr lang="en-US" smtClean="0"/>
-              <a:t>12/4/2025</a:t>
+              <a:t>12/5/2025</a:t>
             </a:fld>
             <a:endParaRPr lang="en-US"/>
           </a:p>
@@ -7408,7 +7413,7 @@
           <a:p>
             <a:fld id="{1BB75345-529D-4AF0-9650-DF65D3362993}" type="datetimeFigureOut">
               <a:rPr lang="en-US" smtClean="0"/>
-              <a:t>12/4/2025</a:t>
+              <a:t>12/5/2025</a:t>
             </a:fld>
             <a:endParaRPr lang="en-US"/>
           </a:p>
@@ -7619,7 +7624,7 @@
           <a:p>
             <a:fld id="{1BB75345-529D-4AF0-9650-DF65D3362993}" type="datetimeFigureOut">
               <a:rPr lang="en-US" smtClean="0"/>
-              <a:t>12/4/2025</a:t>
+              <a:t>12/5/2025</a:t>
             </a:fld>
             <a:endParaRPr lang="en-US"/>
           </a:p>
@@ -8653,7 +8658,7 @@
           <a:p>
             <a:fld id="{1BB75345-529D-4AF0-9650-DF65D3362993}" type="datetimeFigureOut">
               <a:rPr lang="en-US" smtClean="0"/>
-              <a:t>12/4/2025</a:t>
+              <a:t>12/5/2025</a:t>
             </a:fld>
             <a:endParaRPr lang="en-US"/>
           </a:p>
@@ -8925,7 +8930,7 @@
           <a:p>
             <a:fld id="{1BB75345-529D-4AF0-9650-DF65D3362993}" type="datetimeFigureOut">
               <a:rPr lang="en-US" smtClean="0"/>
-              <a:t>12/4/2025</a:t>
+              <a:t>12/5/2025</a:t>
             </a:fld>
             <a:endParaRPr lang="en-US"/>
           </a:p>
@@ -9335,7 +9340,7 @@
           <a:p>
             <a:fld id="{1BB75345-529D-4AF0-9650-DF65D3362993}" type="datetimeFigureOut">
               <a:rPr lang="en-US" smtClean="0"/>
-              <a:t>12/4/2025</a:t>
+              <a:t>12/5/2025</a:t>
             </a:fld>
             <a:endParaRPr lang="en-US"/>
           </a:p>
@@ -9462,7 +9467,7 @@
           <a:p>
             <a:fld id="{1BB75345-529D-4AF0-9650-DF65D3362993}" type="datetimeFigureOut">
               <a:rPr lang="en-US" smtClean="0"/>
-              <a:t>12/4/2025</a:t>
+              <a:t>12/5/2025</a:t>
             </a:fld>
             <a:endParaRPr lang="en-US"/>
           </a:p>
@@ -9557,7 +9562,7 @@
           <a:p>
             <a:fld id="{1BB75345-529D-4AF0-9650-DF65D3362993}" type="datetimeFigureOut">
               <a:rPr lang="en-US" smtClean="0"/>
-              <a:t>12/4/2025</a:t>
+              <a:t>12/5/2025</a:t>
             </a:fld>
             <a:endParaRPr lang="en-US"/>
           </a:p>
@@ -10638,7 +10643,7 @@
           <a:p>
             <a:fld id="{1BB75345-529D-4AF0-9650-DF65D3362993}" type="datetimeFigureOut">
               <a:rPr lang="en-US" smtClean="0"/>
-              <a:t>12/4/2025</a:t>
+              <a:t>12/5/2025</a:t>
             </a:fld>
             <a:endParaRPr lang="en-US"/>
           </a:p>
@@ -11746,7 +11751,7 @@
           <a:p>
             <a:fld id="{1BB75345-529D-4AF0-9650-DF65D3362993}" type="datetimeFigureOut">
               <a:rPr lang="en-US" smtClean="0"/>
-              <a:t>12/4/2025</a:t>
+              <a:t>12/5/2025</a:t>
             </a:fld>
             <a:endParaRPr lang="en-US"/>
           </a:p>
@@ -12806,7 +12811,7 @@
           <a:p>
             <a:fld id="{1BB75345-529D-4AF0-9650-DF65D3362993}" type="datetimeFigureOut">
               <a:rPr lang="en-US" smtClean="0"/>
-              <a:t>12/4/2025</a:t>
+              <a:t>12/5/2025</a:t>
             </a:fld>
             <a:endParaRPr lang="en-US"/>
           </a:p>
@@ -14138,7 +14143,7 @@
           <p:cNvPr id="2" name="Title 1">
             <a:extLst>
               <a:ext uri="{FF2B5EF4-FFF2-40B4-BE49-F238E27FC236}">
-                <a16:creationId xmlns:a16="http://schemas.microsoft.com/office/drawing/2014/main" id="{F1D557F6-337D-3AF7-2106-A741D2110B6A}"/>
+                <a16:creationId xmlns:a16="http://schemas.microsoft.com/office/drawing/2014/main" id="{2B89CD8D-48B2-BA65-5BF0-F930FF4B85BB}"/>
               </a:ext>
             </a:extLst>
           </p:cNvPr>
@@ -14156,7 +14161,7 @@
           <a:p>
             <a:r>
               <a:rPr lang="en-US" dirty="0"/>
-              <a:t>Arrays</a:t>
+              <a:t>If Else</a:t>
             </a:r>
           </a:p>
         </p:txBody>
@@ -14166,7 +14171,7 @@
           <p:cNvPr id="3" name="Content Placeholder 2">
             <a:extLst>
               <a:ext uri="{FF2B5EF4-FFF2-40B4-BE49-F238E27FC236}">
-                <a16:creationId xmlns:a16="http://schemas.microsoft.com/office/drawing/2014/main" id="{87599A3B-4327-723A-FE17-B5FFAC5127D7}"/>
+                <a16:creationId xmlns:a16="http://schemas.microsoft.com/office/drawing/2014/main" id="{B1F90312-534D-3085-385D-ABEB3C3E53FE}"/>
               </a:ext>
             </a:extLst>
           </p:cNvPr>
@@ -14177,9 +14182,16 @@
             <p:ph idx="1"/>
           </p:nvPr>
         </p:nvSpPr>
-        <p:spPr/>
+        <p:spPr>
+          <a:xfrm>
+            <a:off x="1154955" y="2603500"/>
+            <a:ext cx="3166880" cy="3416300"/>
+          </a:xfrm>
+        </p:spPr>
         <p:txBody>
-          <a:bodyPr/>
+          <a:bodyPr>
+            <a:normAutofit lnSpcReduction="10000"/>
+          </a:bodyPr>
           <a:lstStyle/>
           <a:p>
             <a:pPr marL="0" indent="0">
@@ -14187,7 +14199,7 @@
             </a:pPr>
             <a:r>
               <a:rPr lang="en-US" dirty="0"/>
-              <a:t>let colors = ["red", "green", "blue"];</a:t>
+              <a:t>let marks = 80;</a:t>
             </a:r>
           </a:p>
           <a:p>
@@ -14201,12 +14213,8 @@
               <a:buNone/>
             </a:pPr>
             <a:r>
-              <a:rPr lang="en-US" dirty="0" err="1"/>
-              <a:t>colors.push</a:t>
-            </a:r>
-            <a:r>
               <a:rPr lang="en-US" dirty="0"/>
-              <a:t>("yellow");   // add at end</a:t>
+              <a:t>if (marks &gt; 90) {</a:t>
             </a:r>
           </a:p>
           <a:p>
@@ -14214,12 +14222,8 @@
               <a:buNone/>
             </a:pPr>
             <a:r>
-              <a:rPr lang="en-US" dirty="0" err="1"/>
-              <a:t>colors.pop</a:t>
-            </a:r>
-            <a:r>
               <a:rPr lang="en-US" dirty="0"/>
-              <a:t>();            // remove last</a:t>
+              <a:t>  console.log("A+");</a:t>
             </a:r>
           </a:p>
           <a:p>
@@ -14227,12 +14231,8 @@
               <a:buNone/>
             </a:pPr>
             <a:r>
-              <a:rPr lang="en-US" dirty="0" err="1"/>
-              <a:t>colors.unshift</a:t>
-            </a:r>
-            <a:r>
               <a:rPr lang="en-US" dirty="0"/>
-              <a:t>("pink");  // add at start</a:t>
+              <a:t>} else if (marks &gt; 75) {</a:t>
             </a:r>
           </a:p>
           <a:p>
@@ -14240,12 +14240,35 @@
               <a:buNone/>
             </a:pPr>
             <a:r>
-              <a:rPr lang="en-US" dirty="0" err="1"/>
-              <a:t>colors.shift</a:t>
-            </a:r>
-            <a:r>
               <a:rPr lang="en-US" dirty="0"/>
-              <a:t>();          // remove first</a:t>
+              <a:t>  console.log("A");</a:t>
+            </a:r>
+          </a:p>
+          <a:p>
+            <a:pPr marL="0" indent="0">
+              <a:buNone/>
+            </a:pPr>
+            <a:r>
+              <a:rPr lang="en-US" dirty="0"/>
+              <a:t>} else {</a:t>
+            </a:r>
+          </a:p>
+          <a:p>
+            <a:pPr marL="0" indent="0">
+              <a:buNone/>
+            </a:pPr>
+            <a:r>
+              <a:rPr lang="en-US" dirty="0"/>
+              <a:t>  console.log("B");</a:t>
+            </a:r>
+          </a:p>
+          <a:p>
+            <a:pPr marL="0" indent="0">
+              <a:buNone/>
+            </a:pPr>
+            <a:r>
+              <a:rPr lang="en-US" dirty="0"/>
+              <a:t>}</a:t>
             </a:r>
           </a:p>
           <a:p>
@@ -14254,27 +14277,331 @@
             </a:pPr>
             <a:endParaRPr lang="en-US" dirty="0"/>
           </a:p>
+        </p:txBody>
+      </p:sp>
+      <p:sp>
+        <p:nvSpPr>
+          <p:cNvPr id="4" name="Content Placeholder 2">
+            <a:extLst>
+              <a:ext uri="{FF2B5EF4-FFF2-40B4-BE49-F238E27FC236}">
+                <a16:creationId xmlns:a16="http://schemas.microsoft.com/office/drawing/2014/main" id="{51C1EEBB-EC76-086F-B33F-F96CBADDB000}"/>
+              </a:ext>
+            </a:extLst>
+          </p:cNvPr>
+          <p:cNvSpPr txBox="1">
+            <a:spLocks/>
+          </p:cNvSpPr>
+          <p:nvPr/>
+        </p:nvSpPr>
+        <p:spPr>
+          <a:xfrm>
+            <a:off x="4976457" y="2603500"/>
+            <a:ext cx="3166880" cy="3416300"/>
+          </a:xfrm>
+          <a:prstGeom prst="rect">
+            <a:avLst/>
+          </a:prstGeom>
+        </p:spPr>
+        <p:txBody>
+          <a:bodyPr vert="horz" lIns="91440" tIns="45720" rIns="91440" bIns="45720" rtlCol="0">
+            <a:normAutofit/>
+          </a:bodyPr>
+          <a:lstStyle>
+            <a:lvl1pPr marL="342900" indent="-342900" algn="l" defTabSz="457200" rtl="0" eaLnBrk="1" latinLnBrk="0" hangingPunct="1">
+              <a:spcBef>
+                <a:spcPts val="1000"/>
+              </a:spcBef>
+              <a:spcAft>
+                <a:spcPts val="0"/>
+              </a:spcAft>
+              <a:buClr>
+                <a:schemeClr val="accent1"/>
+              </a:buClr>
+              <a:buSzPct val="80000"/>
+              <a:buFont typeface="Wingdings 3" charset="2"/>
+              <a:buChar char=""/>
+              <a:defRPr sz="1800" b="0" i="0" kern="1200">
+                <a:solidFill>
+                  <a:schemeClr val="tx1">
+                    <a:lumMod val="75000"/>
+                    <a:lumOff val="25000"/>
+                  </a:schemeClr>
+                </a:solidFill>
+                <a:latin typeface="+mn-lt"/>
+                <a:ea typeface="+mn-ea"/>
+                <a:cs typeface="+mn-cs"/>
+              </a:defRPr>
+            </a:lvl1pPr>
+            <a:lvl2pPr marL="742950" indent="-285750" algn="l" defTabSz="457200" rtl="0" eaLnBrk="1" latinLnBrk="0" hangingPunct="1">
+              <a:spcBef>
+                <a:spcPts val="1000"/>
+              </a:spcBef>
+              <a:spcAft>
+                <a:spcPts val="0"/>
+              </a:spcAft>
+              <a:buClr>
+                <a:schemeClr val="accent1"/>
+              </a:buClr>
+              <a:buSzPct val="80000"/>
+              <a:buFont typeface="Wingdings 3" charset="2"/>
+              <a:buChar char=""/>
+              <a:defRPr sz="1600" b="0" i="0" kern="1200">
+                <a:solidFill>
+                  <a:schemeClr val="tx1">
+                    <a:lumMod val="75000"/>
+                    <a:lumOff val="25000"/>
+                  </a:schemeClr>
+                </a:solidFill>
+                <a:latin typeface="+mn-lt"/>
+                <a:ea typeface="+mn-ea"/>
+                <a:cs typeface="+mn-cs"/>
+              </a:defRPr>
+            </a:lvl2pPr>
+            <a:lvl3pPr marL="1143000" indent="-228600" algn="l" defTabSz="457200" rtl="0" eaLnBrk="1" latinLnBrk="0" hangingPunct="1">
+              <a:spcBef>
+                <a:spcPts val="1000"/>
+              </a:spcBef>
+              <a:spcAft>
+                <a:spcPts val="0"/>
+              </a:spcAft>
+              <a:buClr>
+                <a:schemeClr val="accent1"/>
+              </a:buClr>
+              <a:buSzPct val="80000"/>
+              <a:buFont typeface="Wingdings 3" charset="2"/>
+              <a:buChar char=""/>
+              <a:defRPr sz="1400" b="0" i="0" kern="1200">
+                <a:solidFill>
+                  <a:schemeClr val="tx1">
+                    <a:lumMod val="75000"/>
+                    <a:lumOff val="25000"/>
+                  </a:schemeClr>
+                </a:solidFill>
+                <a:latin typeface="+mn-lt"/>
+                <a:ea typeface="+mn-ea"/>
+                <a:cs typeface="+mn-cs"/>
+              </a:defRPr>
+            </a:lvl3pPr>
+            <a:lvl4pPr marL="1600200" indent="-228600" algn="l" defTabSz="457200" rtl="0" eaLnBrk="1" latinLnBrk="0" hangingPunct="1">
+              <a:spcBef>
+                <a:spcPts val="1000"/>
+              </a:spcBef>
+              <a:spcAft>
+                <a:spcPts val="0"/>
+              </a:spcAft>
+              <a:buClr>
+                <a:schemeClr val="accent1"/>
+              </a:buClr>
+              <a:buSzPct val="80000"/>
+              <a:buFont typeface="Wingdings 3" charset="2"/>
+              <a:buChar char=""/>
+              <a:defRPr sz="1200" b="0" i="0" kern="1200">
+                <a:solidFill>
+                  <a:schemeClr val="tx1">
+                    <a:lumMod val="75000"/>
+                    <a:lumOff val="25000"/>
+                  </a:schemeClr>
+                </a:solidFill>
+                <a:latin typeface="+mn-lt"/>
+                <a:ea typeface="+mn-ea"/>
+                <a:cs typeface="+mn-cs"/>
+              </a:defRPr>
+            </a:lvl4pPr>
+            <a:lvl5pPr marL="2057400" indent="-228600" algn="l" defTabSz="457200" rtl="0" eaLnBrk="1" latinLnBrk="0" hangingPunct="1">
+              <a:spcBef>
+                <a:spcPts val="1000"/>
+              </a:spcBef>
+              <a:spcAft>
+                <a:spcPts val="0"/>
+              </a:spcAft>
+              <a:buClr>
+                <a:schemeClr val="accent1"/>
+              </a:buClr>
+              <a:buSzPct val="80000"/>
+              <a:buFont typeface="Wingdings 3" charset="2"/>
+              <a:buChar char=""/>
+              <a:defRPr sz="1200" b="0" i="0" kern="1200">
+                <a:solidFill>
+                  <a:schemeClr val="tx1">
+                    <a:lumMod val="75000"/>
+                    <a:lumOff val="25000"/>
+                  </a:schemeClr>
+                </a:solidFill>
+                <a:latin typeface="+mn-lt"/>
+                <a:ea typeface="+mn-ea"/>
+                <a:cs typeface="+mn-cs"/>
+              </a:defRPr>
+            </a:lvl5pPr>
+            <a:lvl6pPr marL="2514600" indent="-228600" algn="l" defTabSz="457200" rtl="0" eaLnBrk="1" latinLnBrk="0" hangingPunct="1">
+              <a:spcBef>
+                <a:spcPts val="1000"/>
+              </a:spcBef>
+              <a:spcAft>
+                <a:spcPts val="0"/>
+              </a:spcAft>
+              <a:buClr>
+                <a:schemeClr val="accent1"/>
+              </a:buClr>
+              <a:buSzPct val="80000"/>
+              <a:buFont typeface="Wingdings 3" charset="2"/>
+              <a:buChar char=""/>
+              <a:defRPr sz="1200" b="0" i="0" kern="1200">
+                <a:solidFill>
+                  <a:schemeClr val="tx1">
+                    <a:lumMod val="75000"/>
+                    <a:lumOff val="25000"/>
+                  </a:schemeClr>
+                </a:solidFill>
+                <a:latin typeface="+mn-lt"/>
+                <a:ea typeface="+mn-ea"/>
+                <a:cs typeface="+mn-cs"/>
+              </a:defRPr>
+            </a:lvl6pPr>
+            <a:lvl7pPr marL="2971800" indent="-228600" algn="l" defTabSz="457200" rtl="0" eaLnBrk="1" latinLnBrk="0" hangingPunct="1">
+              <a:spcBef>
+                <a:spcPts val="1000"/>
+              </a:spcBef>
+              <a:spcAft>
+                <a:spcPts val="0"/>
+              </a:spcAft>
+              <a:buClr>
+                <a:schemeClr val="accent1"/>
+              </a:buClr>
+              <a:buSzPct val="80000"/>
+              <a:buFont typeface="Wingdings 3" charset="2"/>
+              <a:buChar char=""/>
+              <a:defRPr sz="1200" b="0" i="0" kern="1200">
+                <a:solidFill>
+                  <a:schemeClr val="tx1">
+                    <a:lumMod val="75000"/>
+                    <a:lumOff val="25000"/>
+                  </a:schemeClr>
+                </a:solidFill>
+                <a:latin typeface="+mn-lt"/>
+                <a:ea typeface="+mn-ea"/>
+                <a:cs typeface="+mn-cs"/>
+              </a:defRPr>
+            </a:lvl7pPr>
+            <a:lvl8pPr marL="3429000" indent="-228600" algn="l" defTabSz="457200" rtl="0" eaLnBrk="1" latinLnBrk="0" hangingPunct="1">
+              <a:spcBef>
+                <a:spcPts val="1000"/>
+              </a:spcBef>
+              <a:spcAft>
+                <a:spcPts val="0"/>
+              </a:spcAft>
+              <a:buClr>
+                <a:schemeClr val="accent1"/>
+              </a:buClr>
+              <a:buSzPct val="80000"/>
+              <a:buFont typeface="Wingdings 3" charset="2"/>
+              <a:buChar char=""/>
+              <a:defRPr sz="1200" b="0" i="0" kern="1200">
+                <a:solidFill>
+                  <a:schemeClr val="tx1">
+                    <a:lumMod val="75000"/>
+                    <a:lumOff val="25000"/>
+                  </a:schemeClr>
+                </a:solidFill>
+                <a:latin typeface="+mn-lt"/>
+                <a:ea typeface="+mn-ea"/>
+                <a:cs typeface="+mn-cs"/>
+              </a:defRPr>
+            </a:lvl8pPr>
+            <a:lvl9pPr marL="3886200" indent="-228600" algn="l" defTabSz="457200" rtl="0" eaLnBrk="1" latinLnBrk="0" hangingPunct="1">
+              <a:spcBef>
+                <a:spcPts val="1000"/>
+              </a:spcBef>
+              <a:spcAft>
+                <a:spcPts val="0"/>
+              </a:spcAft>
+              <a:buClr>
+                <a:schemeClr val="accent1"/>
+              </a:buClr>
+              <a:buSzPct val="80000"/>
+              <a:buFont typeface="Wingdings 3" charset="2"/>
+              <a:buChar char=""/>
+              <a:defRPr sz="1200" b="0" i="0" kern="1200">
+                <a:solidFill>
+                  <a:schemeClr val="tx1">
+                    <a:lumMod val="75000"/>
+                    <a:lumOff val="25000"/>
+                  </a:schemeClr>
+                </a:solidFill>
+                <a:latin typeface="+mn-lt"/>
+                <a:ea typeface="+mn-ea"/>
+                <a:cs typeface="+mn-cs"/>
+              </a:defRPr>
+            </a:lvl9pPr>
+          </a:lstStyle>
           <a:p>
             <a:pPr marL="0" indent="0">
               <a:buNone/>
             </a:pPr>
             <a:r>
               <a:rPr lang="en-US" dirty="0"/>
-              <a:t>console.log(colors);</a:t>
+              <a:t>if (condition1) {</a:t>
             </a:r>
           </a:p>
           <a:p>
             <a:pPr marL="0" indent="0">
               <a:buNone/>
             </a:pPr>
-            <a:endParaRPr lang="en-US" dirty="0"/>
+            <a:r>
+              <a:rPr lang="en-US" dirty="0"/>
+              <a:t>  // runs if condition1 is true</a:t>
+            </a:r>
+          </a:p>
+          <a:p>
+            <a:pPr marL="0" indent="0">
+              <a:buNone/>
+            </a:pPr>
+            <a:r>
+              <a:rPr lang="en-US" dirty="0"/>
+              <a:t>} else if (condition2) {</a:t>
+            </a:r>
+          </a:p>
+          <a:p>
+            <a:pPr marL="0" indent="0">
+              <a:buNone/>
+            </a:pPr>
+            <a:r>
+              <a:rPr lang="en-US" dirty="0"/>
+              <a:t>  // runs if condition2 is true</a:t>
+            </a:r>
+          </a:p>
+          <a:p>
+            <a:pPr marL="0" indent="0">
+              <a:buNone/>
+            </a:pPr>
+            <a:r>
+              <a:rPr lang="en-US" dirty="0"/>
+              <a:t>} else {</a:t>
+            </a:r>
+          </a:p>
+          <a:p>
+            <a:pPr marL="0" indent="0">
+              <a:buNone/>
+            </a:pPr>
+            <a:r>
+              <a:rPr lang="en-US" dirty="0"/>
+              <a:t>  // runs if none of the above are true</a:t>
+            </a:r>
+          </a:p>
+          <a:p>
+            <a:pPr marL="0" indent="0">
+              <a:buNone/>
+            </a:pPr>
+            <a:r>
+              <a:rPr lang="en-US" dirty="0"/>
+              <a:t>}</a:t>
+            </a:r>
           </a:p>
         </p:txBody>
       </p:sp>
     </p:spTree>
     <p:extLst>
       <p:ext uri="{BB962C8B-B14F-4D97-AF65-F5344CB8AC3E}">
-        <p14:creationId xmlns:p14="http://schemas.microsoft.com/office/powerpoint/2010/main" val="3229794047"/>
+        <p14:creationId xmlns:p14="http://schemas.microsoft.com/office/powerpoint/2010/main" val="43323959"/>
       </p:ext>
     </p:extLst>
   </p:cSld>
@@ -14306,7 +14633,7 @@
           <p:cNvPr id="2" name="Title 1">
             <a:extLst>
               <a:ext uri="{FF2B5EF4-FFF2-40B4-BE49-F238E27FC236}">
-                <a16:creationId xmlns:a16="http://schemas.microsoft.com/office/drawing/2014/main" id="{2B89CD8D-48B2-BA65-5BF0-F930FF4B85BB}"/>
+                <a16:creationId xmlns:a16="http://schemas.microsoft.com/office/drawing/2014/main" id="{461BC1E4-A6B4-5899-A215-2842AC6A125D}"/>
               </a:ext>
             </a:extLst>
           </p:cNvPr>
@@ -14324,7 +14651,7 @@
           <a:p>
             <a:r>
               <a:rPr lang="en-US" dirty="0"/>
-              <a:t>If Else</a:t>
+              <a:t>Template Literals</a:t>
             </a:r>
           </a:p>
         </p:txBody>
@@ -14334,7 +14661,7 @@
           <p:cNvPr id="3" name="Content Placeholder 2">
             <a:extLst>
               <a:ext uri="{FF2B5EF4-FFF2-40B4-BE49-F238E27FC236}">
-                <a16:creationId xmlns:a16="http://schemas.microsoft.com/office/drawing/2014/main" id="{B1F90312-534D-3085-385D-ABEB3C3E53FE}"/>
+                <a16:creationId xmlns:a16="http://schemas.microsoft.com/office/drawing/2014/main" id="{4DAAD7D7-B702-5AC4-2E2B-C10E062204C5}"/>
               </a:ext>
             </a:extLst>
           </p:cNvPr>
@@ -14347,9 +14674,7 @@
         </p:nvSpPr>
         <p:spPr/>
         <p:txBody>
-          <a:bodyPr>
-            <a:normAutofit lnSpcReduction="10000"/>
-          </a:bodyPr>
+          <a:bodyPr/>
           <a:lstStyle/>
           <a:p>
             <a:pPr marL="0" indent="0">
@@ -14357,76 +14682,16 @@
             </a:pPr>
             <a:r>
               <a:rPr lang="en-US" dirty="0"/>
-              <a:t>let marks = 80;</a:t>
+              <a:t>let name = "Adarsh";</a:t>
             </a:r>
           </a:p>
           <a:p>
             <a:pPr marL="0" indent="0">
               <a:buNone/>
             </a:pPr>
-            <a:endParaRPr lang="en-US" dirty="0"/>
-          </a:p>
-          <a:p>
-            <a:pPr marL="0" indent="0">
-              <a:buNone/>
-            </a:pPr>
             <a:r>
               <a:rPr lang="en-US" dirty="0"/>
-              <a:t>if (marks &gt; 90) {</a:t>
-            </a:r>
-          </a:p>
-          <a:p>
-            <a:pPr marL="0" indent="0">
-              <a:buNone/>
-            </a:pPr>
-            <a:r>
-              <a:rPr lang="en-US" dirty="0"/>
-              <a:t>  console.log("A+");</a:t>
-            </a:r>
-          </a:p>
-          <a:p>
-            <a:pPr marL="0" indent="0">
-              <a:buNone/>
-            </a:pPr>
-            <a:r>
-              <a:rPr lang="en-US" dirty="0"/>
-              <a:t>} else if (marks &gt; 75) {</a:t>
-            </a:r>
-          </a:p>
-          <a:p>
-            <a:pPr marL="0" indent="0">
-              <a:buNone/>
-            </a:pPr>
-            <a:r>
-              <a:rPr lang="en-US" dirty="0"/>
-              <a:t>  console.log("A");</a:t>
-            </a:r>
-          </a:p>
-          <a:p>
-            <a:pPr marL="0" indent="0">
-              <a:buNone/>
-            </a:pPr>
-            <a:r>
-              <a:rPr lang="en-US" dirty="0"/>
-              <a:t>} else {</a:t>
-            </a:r>
-          </a:p>
-          <a:p>
-            <a:pPr marL="0" indent="0">
-              <a:buNone/>
-            </a:pPr>
-            <a:r>
-              <a:rPr lang="en-US" dirty="0"/>
-              <a:t>  console.log("B");</a:t>
-            </a:r>
-          </a:p>
-          <a:p>
-            <a:pPr marL="0" indent="0">
-              <a:buNone/>
-            </a:pPr>
-            <a:r>
-              <a:rPr lang="en-US" dirty="0"/>
-              <a:t>}</a:t>
+              <a:t>console.log(`Hello ${name}, welcome to the class!`);</a:t>
             </a:r>
           </a:p>
           <a:p>
@@ -14440,7 +14705,7 @@
     </p:spTree>
     <p:extLst>
       <p:ext uri="{BB962C8B-B14F-4D97-AF65-F5344CB8AC3E}">
-        <p14:creationId xmlns:p14="http://schemas.microsoft.com/office/powerpoint/2010/main" val="43323959"/>
+        <p14:creationId xmlns:p14="http://schemas.microsoft.com/office/powerpoint/2010/main" val="511652613"/>
       </p:ext>
     </p:extLst>
   </p:cSld>
@@ -14451,6 +14716,174 @@
 </file>
 
 <file path=ppt/slides/slide15.xml><?xml version="1.0" encoding="utf-8"?>
+<p:sld xmlns:a="http://schemas.openxmlformats.org/drawingml/2006/main" xmlns:r="http://schemas.openxmlformats.org/officeDocument/2006/relationships" xmlns:p="http://schemas.openxmlformats.org/presentationml/2006/main">
+  <p:cSld>
+    <p:spTree>
+      <p:nvGrpSpPr>
+        <p:cNvPr id="1" name=""/>
+        <p:cNvGrpSpPr/>
+        <p:nvPr/>
+      </p:nvGrpSpPr>
+      <p:grpSpPr>
+        <a:xfrm>
+          <a:off x="0" y="0"/>
+          <a:ext cx="0" cy="0"/>
+          <a:chOff x="0" y="0"/>
+          <a:chExt cx="0" cy="0"/>
+        </a:xfrm>
+      </p:grpSpPr>
+      <p:sp>
+        <p:nvSpPr>
+          <p:cNvPr id="2" name="Title 1">
+            <a:extLst>
+              <a:ext uri="{FF2B5EF4-FFF2-40B4-BE49-F238E27FC236}">
+                <a16:creationId xmlns:a16="http://schemas.microsoft.com/office/drawing/2014/main" id="{F1D557F6-337D-3AF7-2106-A741D2110B6A}"/>
+              </a:ext>
+            </a:extLst>
+          </p:cNvPr>
+          <p:cNvSpPr>
+            <a:spLocks noGrp="1"/>
+          </p:cNvSpPr>
+          <p:nvPr>
+            <p:ph type="title"/>
+          </p:nvPr>
+        </p:nvSpPr>
+        <p:spPr/>
+        <p:txBody>
+          <a:bodyPr/>
+          <a:lstStyle/>
+          <a:p>
+            <a:r>
+              <a:rPr lang="en-US" dirty="0"/>
+              <a:t>Arrays</a:t>
+            </a:r>
+          </a:p>
+        </p:txBody>
+      </p:sp>
+      <p:sp>
+        <p:nvSpPr>
+          <p:cNvPr id="3" name="Content Placeholder 2">
+            <a:extLst>
+              <a:ext uri="{FF2B5EF4-FFF2-40B4-BE49-F238E27FC236}">
+                <a16:creationId xmlns:a16="http://schemas.microsoft.com/office/drawing/2014/main" id="{87599A3B-4327-723A-FE17-B5FFAC5127D7}"/>
+              </a:ext>
+            </a:extLst>
+          </p:cNvPr>
+          <p:cNvSpPr>
+            <a:spLocks noGrp="1"/>
+          </p:cNvSpPr>
+          <p:nvPr>
+            <p:ph idx="1"/>
+          </p:nvPr>
+        </p:nvSpPr>
+        <p:spPr/>
+        <p:txBody>
+          <a:bodyPr/>
+          <a:lstStyle/>
+          <a:p>
+            <a:pPr marL="0" indent="0">
+              <a:buNone/>
+            </a:pPr>
+            <a:r>
+              <a:rPr lang="en-US" dirty="0"/>
+              <a:t>let colors = ["red", "green", "blue"];</a:t>
+            </a:r>
+          </a:p>
+          <a:p>
+            <a:pPr marL="0" indent="0">
+              <a:buNone/>
+            </a:pPr>
+            <a:endParaRPr lang="en-US" dirty="0"/>
+          </a:p>
+          <a:p>
+            <a:pPr marL="0" indent="0">
+              <a:buNone/>
+            </a:pPr>
+            <a:r>
+              <a:rPr lang="en-US" dirty="0" err="1"/>
+              <a:t>colors.push</a:t>
+            </a:r>
+            <a:r>
+              <a:rPr lang="en-US" dirty="0"/>
+              <a:t>("yellow");   // add at end</a:t>
+            </a:r>
+          </a:p>
+          <a:p>
+            <a:pPr marL="0" indent="0">
+              <a:buNone/>
+            </a:pPr>
+            <a:r>
+              <a:rPr lang="en-US" dirty="0" err="1"/>
+              <a:t>colors.pop</a:t>
+            </a:r>
+            <a:r>
+              <a:rPr lang="en-US" dirty="0"/>
+              <a:t>();            // remove last</a:t>
+            </a:r>
+          </a:p>
+          <a:p>
+            <a:pPr marL="0" indent="0">
+              <a:buNone/>
+            </a:pPr>
+            <a:r>
+              <a:rPr lang="en-US" dirty="0" err="1"/>
+              <a:t>colors.unshift</a:t>
+            </a:r>
+            <a:r>
+              <a:rPr lang="en-US" dirty="0"/>
+              <a:t>("pink");  // add at start</a:t>
+            </a:r>
+          </a:p>
+          <a:p>
+            <a:pPr marL="0" indent="0">
+              <a:buNone/>
+            </a:pPr>
+            <a:r>
+              <a:rPr lang="en-US" dirty="0" err="1"/>
+              <a:t>colors.shift</a:t>
+            </a:r>
+            <a:r>
+              <a:rPr lang="en-US" dirty="0"/>
+              <a:t>();          // remove first</a:t>
+            </a:r>
+          </a:p>
+          <a:p>
+            <a:pPr marL="0" indent="0">
+              <a:buNone/>
+            </a:pPr>
+            <a:endParaRPr lang="en-US" dirty="0"/>
+          </a:p>
+          <a:p>
+            <a:pPr marL="0" indent="0">
+              <a:buNone/>
+            </a:pPr>
+            <a:r>
+              <a:rPr lang="en-US" dirty="0"/>
+              <a:t>console.log(colors);</a:t>
+            </a:r>
+          </a:p>
+          <a:p>
+            <a:pPr marL="0" indent="0">
+              <a:buNone/>
+            </a:pPr>
+            <a:endParaRPr lang="en-US" dirty="0"/>
+          </a:p>
+        </p:txBody>
+      </p:sp>
+    </p:spTree>
+    <p:extLst>
+      <p:ext uri="{BB962C8B-B14F-4D97-AF65-F5344CB8AC3E}">
+        <p14:creationId xmlns:p14="http://schemas.microsoft.com/office/powerpoint/2010/main" val="3229794047"/>
+      </p:ext>
+    </p:extLst>
+  </p:cSld>
+  <p:clrMapOvr>
+    <a:masterClrMapping/>
+  </p:clrMapOvr>
+</p:sld>
+</file>
+
+<file path=ppt/slides/slide16.xml><?xml version="1.0" encoding="utf-8"?>
 <p:sld xmlns:a="http://schemas.openxmlformats.org/drawingml/2006/main" xmlns:r="http://schemas.openxmlformats.org/officeDocument/2006/relationships" xmlns:p="http://schemas.openxmlformats.org/presentationml/2006/main">
   <p:cSld>
     <p:spTree>
@@ -14490,17 +14923,247 @@
           <a:p>
             <a:r>
               <a:rPr lang="en-US" dirty="0"/>
-              <a:t>Switch</a:t>
+              <a:t>Loops</a:t>
             </a:r>
           </a:p>
         </p:txBody>
       </p:sp>
       <p:sp>
         <p:nvSpPr>
-          <p:cNvPr id="3" name="Content Placeholder 2">
+          <p:cNvPr id="4" name="Content Placeholder 3">
             <a:extLst>
               <a:ext uri="{FF2B5EF4-FFF2-40B4-BE49-F238E27FC236}">
-                <a16:creationId xmlns:a16="http://schemas.microsoft.com/office/drawing/2014/main" id="{68C56434-AC8A-7BAD-4BE3-A5DFE93DC33B}"/>
+                <a16:creationId xmlns:a16="http://schemas.microsoft.com/office/drawing/2014/main" id="{EB6A88D9-5BB1-7DFC-C9A1-266FF222F5FC}"/>
+              </a:ext>
+            </a:extLst>
+          </p:cNvPr>
+          <p:cNvSpPr>
+            <a:spLocks noGrp="1"/>
+          </p:cNvSpPr>
+          <p:nvPr>
+            <p:ph sz="half" idx="1"/>
+          </p:nvPr>
+        </p:nvSpPr>
+        <p:spPr/>
+        <p:txBody>
+          <a:bodyPr/>
+          <a:lstStyle/>
+          <a:p>
+            <a:r>
+              <a:rPr lang="en-US" dirty="0"/>
+              <a:t>For Loop</a:t>
+            </a:r>
+          </a:p>
+          <a:p>
+            <a:pPr marL="0" indent="0">
+              <a:buNone/>
+            </a:pPr>
+            <a:r>
+              <a:rPr lang="en-US" dirty="0"/>
+              <a:t>for (let </a:t>
+            </a:r>
+            <a:r>
+              <a:rPr lang="en-US" dirty="0" err="1"/>
+              <a:t>i</a:t>
+            </a:r>
+            <a:r>
+              <a:rPr lang="en-US" dirty="0"/>
+              <a:t> = 1; </a:t>
+            </a:r>
+            <a:r>
+              <a:rPr lang="en-US" dirty="0" err="1"/>
+              <a:t>i</a:t>
+            </a:r>
+            <a:r>
+              <a:rPr lang="en-US" dirty="0"/>
+              <a:t> &lt;= 5; </a:t>
+            </a:r>
+            <a:r>
+              <a:rPr lang="en-US" dirty="0" err="1"/>
+              <a:t>i</a:t>
+            </a:r>
+            <a:r>
+              <a:rPr lang="en-US" dirty="0"/>
+              <a:t>++) {</a:t>
+            </a:r>
+          </a:p>
+          <a:p>
+            <a:pPr marL="0" indent="0">
+              <a:buNone/>
+            </a:pPr>
+            <a:r>
+              <a:rPr lang="en-US" dirty="0"/>
+              <a:t>  console.log("Number:", </a:t>
+            </a:r>
+            <a:r>
+              <a:rPr lang="en-US" dirty="0" err="1"/>
+              <a:t>i</a:t>
+            </a:r>
+            <a:r>
+              <a:rPr lang="en-US" dirty="0"/>
+              <a:t>);</a:t>
+            </a:r>
+          </a:p>
+          <a:p>
+            <a:pPr marL="0" indent="0">
+              <a:buNone/>
+            </a:pPr>
+            <a:r>
+              <a:rPr lang="en-US" dirty="0"/>
+              <a:t>}</a:t>
+            </a:r>
+          </a:p>
+          <a:p>
+            <a:pPr marL="0" indent="0">
+              <a:buNone/>
+            </a:pPr>
+            <a:endParaRPr lang="en-US" dirty="0"/>
+          </a:p>
+        </p:txBody>
+      </p:sp>
+      <p:sp>
+        <p:nvSpPr>
+          <p:cNvPr id="5" name="Content Placeholder 4">
+            <a:extLst>
+              <a:ext uri="{FF2B5EF4-FFF2-40B4-BE49-F238E27FC236}">
+                <a16:creationId xmlns:a16="http://schemas.microsoft.com/office/drawing/2014/main" id="{4FF528D7-4D3B-674F-6A24-B26168F29C8A}"/>
+              </a:ext>
+            </a:extLst>
+          </p:cNvPr>
+          <p:cNvSpPr>
+            <a:spLocks noGrp="1"/>
+          </p:cNvSpPr>
+          <p:nvPr>
+            <p:ph sz="half" idx="2"/>
+          </p:nvPr>
+        </p:nvSpPr>
+        <p:spPr/>
+        <p:txBody>
+          <a:bodyPr/>
+          <a:lstStyle/>
+          <a:p>
+            <a:r>
+              <a:rPr lang="en-US" dirty="0"/>
+              <a:t>While Loop</a:t>
+            </a:r>
+          </a:p>
+          <a:p>
+            <a:pPr marL="0" indent="0">
+              <a:buNone/>
+            </a:pPr>
+            <a:r>
+              <a:rPr lang="nn-NO" dirty="0"/>
+              <a:t>let i = 1;</a:t>
+            </a:r>
+          </a:p>
+          <a:p>
+            <a:pPr marL="0" indent="0">
+              <a:buNone/>
+            </a:pPr>
+            <a:r>
+              <a:rPr lang="nn-NO" dirty="0"/>
+              <a:t>while (i &lt;= 3) {</a:t>
+            </a:r>
+          </a:p>
+          <a:p>
+            <a:pPr marL="0" indent="0">
+              <a:buNone/>
+            </a:pPr>
+            <a:r>
+              <a:rPr lang="nn-NO" dirty="0"/>
+              <a:t>  console.log(i);</a:t>
+            </a:r>
+          </a:p>
+          <a:p>
+            <a:pPr marL="0" indent="0">
+              <a:buNone/>
+            </a:pPr>
+            <a:r>
+              <a:rPr lang="nn-NO" dirty="0"/>
+              <a:t>  i++;</a:t>
+            </a:r>
+          </a:p>
+          <a:p>
+            <a:pPr marL="0" indent="0">
+              <a:buNone/>
+            </a:pPr>
+            <a:r>
+              <a:rPr lang="nn-NO" dirty="0"/>
+              <a:t>}</a:t>
+            </a:r>
+          </a:p>
+          <a:p>
+            <a:pPr marL="0" indent="0">
+              <a:buNone/>
+            </a:pPr>
+            <a:endParaRPr lang="en-US" dirty="0"/>
+          </a:p>
+        </p:txBody>
+      </p:sp>
+    </p:spTree>
+    <p:extLst>
+      <p:ext uri="{BB962C8B-B14F-4D97-AF65-F5344CB8AC3E}">
+        <p14:creationId xmlns:p14="http://schemas.microsoft.com/office/powerpoint/2010/main" val="1095164351"/>
+      </p:ext>
+    </p:extLst>
+  </p:cSld>
+  <p:clrMapOvr>
+    <a:masterClrMapping/>
+  </p:clrMapOvr>
+</p:sld>
+</file>
+
+<file path=ppt/slides/slide17.xml><?xml version="1.0" encoding="utf-8"?>
+<p:sld xmlns:a="http://schemas.openxmlformats.org/drawingml/2006/main" xmlns:r="http://schemas.openxmlformats.org/officeDocument/2006/relationships" xmlns:p="http://schemas.openxmlformats.org/presentationml/2006/main">
+  <p:cSld>
+    <p:spTree>
+      <p:nvGrpSpPr>
+        <p:cNvPr id="1" name=""/>
+        <p:cNvGrpSpPr/>
+        <p:nvPr/>
+      </p:nvGrpSpPr>
+      <p:grpSpPr>
+        <a:xfrm>
+          <a:off x="0" y="0"/>
+          <a:ext cx="0" cy="0"/>
+          <a:chOff x="0" y="0"/>
+          <a:chExt cx="0" cy="0"/>
+        </a:xfrm>
+      </p:grpSpPr>
+      <p:sp>
+        <p:nvSpPr>
+          <p:cNvPr id="2" name="Title 1">
+            <a:extLst>
+              <a:ext uri="{FF2B5EF4-FFF2-40B4-BE49-F238E27FC236}">
+                <a16:creationId xmlns:a16="http://schemas.microsoft.com/office/drawing/2014/main" id="{C23842E2-5CE8-264E-8D1B-E9A9FEE0D4E5}"/>
+              </a:ext>
+            </a:extLst>
+          </p:cNvPr>
+          <p:cNvSpPr>
+            <a:spLocks noGrp="1"/>
+          </p:cNvSpPr>
+          <p:nvPr>
+            <p:ph type="title"/>
+          </p:nvPr>
+        </p:nvSpPr>
+        <p:spPr/>
+        <p:txBody>
+          <a:bodyPr/>
+          <a:lstStyle/>
+          <a:p>
+            <a:r>
+              <a:rPr lang="en-US" dirty="0"/>
+              <a:t>Functions</a:t>
+            </a:r>
+          </a:p>
+        </p:txBody>
+      </p:sp>
+      <p:sp>
+        <p:nvSpPr>
+          <p:cNvPr id="5" name="Content Placeholder 4">
+            <a:extLst>
+              <a:ext uri="{FF2B5EF4-FFF2-40B4-BE49-F238E27FC236}">
+                <a16:creationId xmlns:a16="http://schemas.microsoft.com/office/drawing/2014/main" id="{296BAC92-69A3-5CE2-32D7-0B8AC14A378D}"/>
               </a:ext>
             </a:extLst>
           </p:cNvPr>
@@ -14516,12 +15179,24 @@
           <a:bodyPr/>
           <a:lstStyle/>
           <a:p>
+            <a:r>
+              <a:rPr lang="en-US" dirty="0"/>
+              <a:t>A block of code that runs when called.</a:t>
+            </a:r>
+          </a:p>
+          <a:p>
+            <a:r>
+              <a:rPr lang="en-US" dirty="0"/>
+              <a:t>Example:</a:t>
+            </a:r>
+          </a:p>
+          <a:p>
             <a:pPr marL="0" indent="0">
               <a:buNone/>
             </a:pPr>
             <a:r>
-              <a:rPr lang="nn-NO" dirty="0"/>
-              <a:t>for (let i = 1; i &lt;= 5; i++) {</a:t>
+              <a:rPr lang="en-US" dirty="0"/>
+              <a:t>function greet() {</a:t>
             </a:r>
           </a:p>
           <a:p>
@@ -14529,8 +15204,8 @@
               <a:buNone/>
             </a:pPr>
             <a:r>
-              <a:rPr lang="nn-NO" dirty="0"/>
-              <a:t>  console.log(i);</a:t>
+              <a:rPr lang="en-US" dirty="0"/>
+              <a:t>  console.log("Hello Students!");</a:t>
             </a:r>
           </a:p>
           <a:p>
@@ -14538,8 +15213,23 @@
               <a:buNone/>
             </a:pPr>
             <a:r>
-              <a:rPr lang="nn-NO" dirty="0"/>
+              <a:rPr lang="en-US" dirty="0"/>
               <a:t>}</a:t>
+            </a:r>
+          </a:p>
+          <a:p>
+            <a:pPr marL="0" indent="0">
+              <a:buNone/>
+            </a:pPr>
+            <a:endParaRPr lang="en-US" dirty="0"/>
+          </a:p>
+          <a:p>
+            <a:pPr marL="0" indent="0">
+              <a:buNone/>
+            </a:pPr>
+            <a:r>
+              <a:rPr lang="en-US" dirty="0"/>
+              <a:t>greet();</a:t>
             </a:r>
           </a:p>
           <a:p>
@@ -14553,7 +15243,380 @@
     </p:spTree>
     <p:extLst>
       <p:ext uri="{BB962C8B-B14F-4D97-AF65-F5344CB8AC3E}">
-        <p14:creationId xmlns:p14="http://schemas.microsoft.com/office/powerpoint/2010/main" val="1095164351"/>
+        <p14:creationId xmlns:p14="http://schemas.microsoft.com/office/powerpoint/2010/main" val="393482352"/>
+      </p:ext>
+    </p:extLst>
+  </p:cSld>
+  <p:clrMapOvr>
+    <a:masterClrMapping/>
+  </p:clrMapOvr>
+</p:sld>
+</file>
+
+<file path=ppt/slides/slide18.xml><?xml version="1.0" encoding="utf-8"?>
+<p:sld xmlns:a="http://schemas.openxmlformats.org/drawingml/2006/main" xmlns:r="http://schemas.openxmlformats.org/officeDocument/2006/relationships" xmlns:p="http://schemas.openxmlformats.org/presentationml/2006/main">
+  <p:cSld>
+    <p:spTree>
+      <p:nvGrpSpPr>
+        <p:cNvPr id="1" name=""/>
+        <p:cNvGrpSpPr/>
+        <p:nvPr/>
+      </p:nvGrpSpPr>
+      <p:grpSpPr>
+        <a:xfrm>
+          <a:off x="0" y="0"/>
+          <a:ext cx="0" cy="0"/>
+          <a:chOff x="0" y="0"/>
+          <a:chExt cx="0" cy="0"/>
+        </a:xfrm>
+      </p:grpSpPr>
+      <p:sp>
+        <p:nvSpPr>
+          <p:cNvPr id="2" name="Title 1">
+            <a:extLst>
+              <a:ext uri="{FF2B5EF4-FFF2-40B4-BE49-F238E27FC236}">
+                <a16:creationId xmlns:a16="http://schemas.microsoft.com/office/drawing/2014/main" id="{97085428-C126-CFA2-4383-9984409FB9D4}"/>
+              </a:ext>
+            </a:extLst>
+          </p:cNvPr>
+          <p:cNvSpPr>
+            <a:spLocks noGrp="1"/>
+          </p:cNvSpPr>
+          <p:nvPr>
+            <p:ph type="title"/>
+          </p:nvPr>
+        </p:nvSpPr>
+        <p:spPr/>
+        <p:txBody>
+          <a:bodyPr/>
+          <a:lstStyle/>
+          <a:p>
+            <a:r>
+              <a:rPr lang="en-US" dirty="0" err="1"/>
+              <a:t>Paramater</a:t>
+            </a:r>
+            <a:r>
+              <a:rPr lang="en-US" dirty="0"/>
+              <a:t> Function</a:t>
+            </a:r>
+          </a:p>
+        </p:txBody>
+      </p:sp>
+      <p:sp>
+        <p:nvSpPr>
+          <p:cNvPr id="3" name="Content Placeholder 2">
+            <a:extLst>
+              <a:ext uri="{FF2B5EF4-FFF2-40B4-BE49-F238E27FC236}">
+                <a16:creationId xmlns:a16="http://schemas.microsoft.com/office/drawing/2014/main" id="{1FC2EB26-62ED-5253-0BA2-12AFA9D35664}"/>
+              </a:ext>
+            </a:extLst>
+          </p:cNvPr>
+          <p:cNvSpPr>
+            <a:spLocks noGrp="1"/>
+          </p:cNvSpPr>
+          <p:nvPr>
+            <p:ph idx="1"/>
+          </p:nvPr>
+        </p:nvSpPr>
+        <p:spPr/>
+        <p:txBody>
+          <a:bodyPr/>
+          <a:lstStyle/>
+          <a:p>
+            <a:pPr marL="0" indent="0">
+              <a:buNone/>
+            </a:pPr>
+            <a:r>
+              <a:rPr lang="en-US" dirty="0"/>
+              <a:t>function add(a, b) {</a:t>
+            </a:r>
+          </a:p>
+          <a:p>
+            <a:pPr marL="0" indent="0">
+              <a:buNone/>
+            </a:pPr>
+            <a:r>
+              <a:rPr lang="en-US" dirty="0"/>
+              <a:t>  console.log(a + b);</a:t>
+            </a:r>
+          </a:p>
+          <a:p>
+            <a:pPr marL="0" indent="0">
+              <a:buNone/>
+            </a:pPr>
+            <a:r>
+              <a:rPr lang="en-US" dirty="0"/>
+              <a:t>}</a:t>
+            </a:r>
+          </a:p>
+          <a:p>
+            <a:pPr marL="0" indent="0">
+              <a:buNone/>
+            </a:pPr>
+            <a:endParaRPr lang="en-US" dirty="0"/>
+          </a:p>
+          <a:p>
+            <a:pPr marL="0" indent="0">
+              <a:buNone/>
+            </a:pPr>
+            <a:r>
+              <a:rPr lang="en-US" dirty="0"/>
+              <a:t>add(5, 10);</a:t>
+            </a:r>
+          </a:p>
+          <a:p>
+            <a:pPr marL="0" indent="0">
+              <a:buNone/>
+            </a:pPr>
+            <a:endParaRPr lang="en-US" dirty="0"/>
+          </a:p>
+        </p:txBody>
+      </p:sp>
+    </p:spTree>
+    <p:extLst>
+      <p:ext uri="{BB962C8B-B14F-4D97-AF65-F5344CB8AC3E}">
+        <p14:creationId xmlns:p14="http://schemas.microsoft.com/office/powerpoint/2010/main" val="4095375636"/>
+      </p:ext>
+    </p:extLst>
+  </p:cSld>
+  <p:clrMapOvr>
+    <a:masterClrMapping/>
+  </p:clrMapOvr>
+</p:sld>
+</file>
+
+<file path=ppt/slides/slide19.xml><?xml version="1.0" encoding="utf-8"?>
+<p:sld xmlns:a="http://schemas.openxmlformats.org/drawingml/2006/main" xmlns:r="http://schemas.openxmlformats.org/officeDocument/2006/relationships" xmlns:p="http://schemas.openxmlformats.org/presentationml/2006/main">
+  <p:cSld>
+    <p:spTree>
+      <p:nvGrpSpPr>
+        <p:cNvPr id="1" name=""/>
+        <p:cNvGrpSpPr/>
+        <p:nvPr/>
+      </p:nvGrpSpPr>
+      <p:grpSpPr>
+        <a:xfrm>
+          <a:off x="0" y="0"/>
+          <a:ext cx="0" cy="0"/>
+          <a:chOff x="0" y="0"/>
+          <a:chExt cx="0" cy="0"/>
+        </a:xfrm>
+      </p:grpSpPr>
+      <p:sp>
+        <p:nvSpPr>
+          <p:cNvPr id="2" name="Title 1">
+            <a:extLst>
+              <a:ext uri="{FF2B5EF4-FFF2-40B4-BE49-F238E27FC236}">
+                <a16:creationId xmlns:a16="http://schemas.microsoft.com/office/drawing/2014/main" id="{A6F5F1C0-C246-7108-5230-7B73917E4DAA}"/>
+              </a:ext>
+            </a:extLst>
+          </p:cNvPr>
+          <p:cNvSpPr>
+            <a:spLocks noGrp="1"/>
+          </p:cNvSpPr>
+          <p:nvPr>
+            <p:ph type="title"/>
+          </p:nvPr>
+        </p:nvSpPr>
+        <p:spPr/>
+        <p:txBody>
+          <a:bodyPr/>
+          <a:lstStyle/>
+          <a:p>
+            <a:r>
+              <a:rPr lang="en-US" dirty="0"/>
+              <a:t>Arrow Function</a:t>
+            </a:r>
+          </a:p>
+        </p:txBody>
+      </p:sp>
+      <p:sp>
+        <p:nvSpPr>
+          <p:cNvPr id="4" name="Text Placeholder 3">
+            <a:extLst>
+              <a:ext uri="{FF2B5EF4-FFF2-40B4-BE49-F238E27FC236}">
+                <a16:creationId xmlns:a16="http://schemas.microsoft.com/office/drawing/2014/main" id="{EF1B042A-ECA2-3367-D9AD-4E0EECF39144}"/>
+              </a:ext>
+            </a:extLst>
+          </p:cNvPr>
+          <p:cNvSpPr>
+            <a:spLocks noGrp="1"/>
+          </p:cNvSpPr>
+          <p:nvPr>
+            <p:ph type="body" idx="1"/>
+          </p:nvPr>
+        </p:nvSpPr>
+        <p:spPr/>
+        <p:txBody>
+          <a:bodyPr/>
+          <a:lstStyle/>
+          <a:p>
+            <a:r>
+              <a:rPr lang="en-US" dirty="0"/>
+              <a:t>Example</a:t>
+            </a:r>
+          </a:p>
+        </p:txBody>
+      </p:sp>
+      <p:sp>
+        <p:nvSpPr>
+          <p:cNvPr id="3" name="Content Placeholder 2">
+            <a:extLst>
+              <a:ext uri="{FF2B5EF4-FFF2-40B4-BE49-F238E27FC236}">
+                <a16:creationId xmlns:a16="http://schemas.microsoft.com/office/drawing/2014/main" id="{1C08C09B-2E43-853B-41C4-BDCB38D4E9AF}"/>
+              </a:ext>
+            </a:extLst>
+          </p:cNvPr>
+          <p:cNvSpPr>
+            <a:spLocks noGrp="1"/>
+          </p:cNvSpPr>
+          <p:nvPr>
+            <p:ph sz="half" idx="2"/>
+          </p:nvPr>
+        </p:nvSpPr>
+        <p:spPr/>
+        <p:txBody>
+          <a:bodyPr/>
+          <a:lstStyle/>
+          <a:p>
+            <a:pPr marL="0" indent="0">
+              <a:buNone/>
+            </a:pPr>
+            <a:r>
+              <a:rPr lang="en-US" dirty="0"/>
+              <a:t>const multiply = (a, b) =&gt; {</a:t>
+            </a:r>
+          </a:p>
+          <a:p>
+            <a:pPr marL="0" indent="0">
+              <a:buNone/>
+            </a:pPr>
+            <a:r>
+              <a:rPr lang="en-US" dirty="0"/>
+              <a:t>  return a * b;</a:t>
+            </a:r>
+          </a:p>
+          <a:p>
+            <a:pPr marL="0" indent="0">
+              <a:buNone/>
+            </a:pPr>
+            <a:r>
+              <a:rPr lang="en-US" dirty="0"/>
+              <a:t>};</a:t>
+            </a:r>
+          </a:p>
+          <a:p>
+            <a:pPr marL="0" indent="0">
+              <a:buNone/>
+            </a:pPr>
+            <a:endParaRPr lang="en-US" dirty="0"/>
+          </a:p>
+          <a:p>
+            <a:pPr marL="0" indent="0">
+              <a:buNone/>
+            </a:pPr>
+            <a:r>
+              <a:rPr lang="en-US" dirty="0"/>
+              <a:t>console.log(multiply(3, 4));</a:t>
+            </a:r>
+          </a:p>
+          <a:p>
+            <a:pPr marL="0" indent="0">
+              <a:buNone/>
+            </a:pPr>
+            <a:endParaRPr lang="en-US" dirty="0"/>
+          </a:p>
+        </p:txBody>
+      </p:sp>
+      <p:sp>
+        <p:nvSpPr>
+          <p:cNvPr id="5" name="Text Placeholder 4">
+            <a:extLst>
+              <a:ext uri="{FF2B5EF4-FFF2-40B4-BE49-F238E27FC236}">
+                <a16:creationId xmlns:a16="http://schemas.microsoft.com/office/drawing/2014/main" id="{A86D02F0-D6B0-4DEC-76EB-750440BFDE79}"/>
+              </a:ext>
+            </a:extLst>
+          </p:cNvPr>
+          <p:cNvSpPr>
+            <a:spLocks noGrp="1"/>
+          </p:cNvSpPr>
+          <p:nvPr>
+            <p:ph type="body" sz="quarter" idx="3"/>
+          </p:nvPr>
+        </p:nvSpPr>
+        <p:spPr/>
+        <p:txBody>
+          <a:bodyPr/>
+          <a:lstStyle/>
+          <a:p>
+            <a:r>
+              <a:rPr lang="en-US" dirty="0"/>
+              <a:t>Syntax</a:t>
+            </a:r>
+          </a:p>
+        </p:txBody>
+      </p:sp>
+      <p:sp>
+        <p:nvSpPr>
+          <p:cNvPr id="6" name="Content Placeholder 5">
+            <a:extLst>
+              <a:ext uri="{FF2B5EF4-FFF2-40B4-BE49-F238E27FC236}">
+                <a16:creationId xmlns:a16="http://schemas.microsoft.com/office/drawing/2014/main" id="{296199BF-F93F-3F84-2A9C-F1EF74AE87FF}"/>
+              </a:ext>
+            </a:extLst>
+          </p:cNvPr>
+          <p:cNvSpPr>
+            <a:spLocks noGrp="1"/>
+          </p:cNvSpPr>
+          <p:nvPr>
+            <p:ph sz="quarter" idx="4"/>
+          </p:nvPr>
+        </p:nvSpPr>
+        <p:spPr/>
+        <p:txBody>
+          <a:bodyPr/>
+          <a:lstStyle/>
+          <a:p>
+            <a:pPr marL="0" indent="0">
+              <a:buNone/>
+            </a:pPr>
+            <a:r>
+              <a:rPr lang="en-US" dirty="0"/>
+              <a:t>const </a:t>
+            </a:r>
+            <a:r>
+              <a:rPr lang="en-US" dirty="0" err="1"/>
+              <a:t>functionName</a:t>
+            </a:r>
+            <a:r>
+              <a:rPr lang="en-US" dirty="0"/>
+              <a:t> = (parameters) =&gt; {</a:t>
+            </a:r>
+          </a:p>
+          <a:p>
+            <a:pPr marL="0" indent="0">
+              <a:buNone/>
+            </a:pPr>
+            <a:r>
+              <a:rPr lang="en-US" dirty="0"/>
+              <a:t>  // code here</a:t>
+            </a:r>
+          </a:p>
+          <a:p>
+            <a:pPr marL="0" indent="0">
+              <a:buNone/>
+            </a:pPr>
+            <a:r>
+              <a:rPr lang="en-US" dirty="0"/>
+              <a:t>};</a:t>
+            </a:r>
+          </a:p>
+        </p:txBody>
+      </p:sp>
+    </p:spTree>
+    <p:extLst>
+      <p:ext uri="{BB962C8B-B14F-4D97-AF65-F5344CB8AC3E}">
+        <p14:creationId xmlns:p14="http://schemas.microsoft.com/office/powerpoint/2010/main" val="3938399786"/>
       </p:ext>
     </p:extLst>
   </p:cSld>
@@ -15027,6 +16090,202 @@
   </p:cSld>
   <p:clrMapOvr>
     <a:overrideClrMapping bg1="dk1" tx1="lt1" bg2="dk2" tx2="lt2" accent1="accent1" accent2="accent2" accent3="accent3" accent4="accent4" accent5="accent5" accent6="accent6" hlink="hlink" folHlink="folHlink"/>
+  </p:clrMapOvr>
+</p:sld>
+</file>
+
+<file path=ppt/slides/slide20.xml><?xml version="1.0" encoding="utf-8"?>
+<p:sld xmlns:a="http://schemas.openxmlformats.org/drawingml/2006/main" xmlns:r="http://schemas.openxmlformats.org/officeDocument/2006/relationships" xmlns:p="http://schemas.openxmlformats.org/presentationml/2006/main">
+  <p:cSld>
+    <p:spTree>
+      <p:nvGrpSpPr>
+        <p:cNvPr id="1" name=""/>
+        <p:cNvGrpSpPr/>
+        <p:nvPr/>
+      </p:nvGrpSpPr>
+      <p:grpSpPr>
+        <a:xfrm>
+          <a:off x="0" y="0"/>
+          <a:ext cx="0" cy="0"/>
+          <a:chOff x="0" y="0"/>
+          <a:chExt cx="0" cy="0"/>
+        </a:xfrm>
+      </p:grpSpPr>
+      <p:sp>
+        <p:nvSpPr>
+          <p:cNvPr id="2" name="Title 1">
+            <a:extLst>
+              <a:ext uri="{FF2B5EF4-FFF2-40B4-BE49-F238E27FC236}">
+                <a16:creationId xmlns:a16="http://schemas.microsoft.com/office/drawing/2014/main" id="{6C97DFD3-636F-39F9-849D-4D1A2BFBFE2C}"/>
+              </a:ext>
+            </a:extLst>
+          </p:cNvPr>
+          <p:cNvSpPr>
+            <a:spLocks noGrp="1"/>
+          </p:cNvSpPr>
+          <p:nvPr>
+            <p:ph type="title"/>
+          </p:nvPr>
+        </p:nvSpPr>
+        <p:spPr/>
+        <p:txBody>
+          <a:bodyPr/>
+          <a:lstStyle/>
+          <a:p>
+            <a:r>
+              <a:rPr lang="en-US" dirty="0"/>
+              <a:t>Arrow function</a:t>
+            </a:r>
+          </a:p>
+        </p:txBody>
+      </p:sp>
+      <p:sp>
+        <p:nvSpPr>
+          <p:cNvPr id="3" name="Text Placeholder 2">
+            <a:extLst>
+              <a:ext uri="{FF2B5EF4-FFF2-40B4-BE49-F238E27FC236}">
+                <a16:creationId xmlns:a16="http://schemas.microsoft.com/office/drawing/2014/main" id="{F8AB41FE-5E1A-0849-7CC2-66F95D7C34F9}"/>
+              </a:ext>
+            </a:extLst>
+          </p:cNvPr>
+          <p:cNvSpPr>
+            <a:spLocks noGrp="1"/>
+          </p:cNvSpPr>
+          <p:nvPr>
+            <p:ph type="body" idx="1"/>
+          </p:nvPr>
+        </p:nvSpPr>
+        <p:spPr/>
+        <p:txBody>
+          <a:bodyPr/>
+          <a:lstStyle/>
+          <a:p>
+            <a:r>
+              <a:rPr lang="en-US" dirty="0"/>
+              <a:t>One </a:t>
+            </a:r>
+            <a:r>
+              <a:rPr lang="en-US" dirty="0" err="1"/>
+              <a:t>Pararmter</a:t>
+            </a:r>
+            <a:r>
+              <a:rPr lang="en-US" dirty="0"/>
+              <a:t> </a:t>
+            </a:r>
+          </a:p>
+        </p:txBody>
+      </p:sp>
+      <p:sp>
+        <p:nvSpPr>
+          <p:cNvPr id="4" name="Content Placeholder 3">
+            <a:extLst>
+              <a:ext uri="{FF2B5EF4-FFF2-40B4-BE49-F238E27FC236}">
+                <a16:creationId xmlns:a16="http://schemas.microsoft.com/office/drawing/2014/main" id="{3E5C7D14-6B88-6C55-AD1A-F8F59C2939B8}"/>
+              </a:ext>
+            </a:extLst>
+          </p:cNvPr>
+          <p:cNvSpPr>
+            <a:spLocks noGrp="1"/>
+          </p:cNvSpPr>
+          <p:nvPr>
+            <p:ph sz="half" idx="2"/>
+          </p:nvPr>
+        </p:nvSpPr>
+        <p:spPr/>
+        <p:txBody>
+          <a:bodyPr/>
+          <a:lstStyle/>
+          <a:p>
+            <a:pPr marL="0" indent="0">
+              <a:buNone/>
+            </a:pPr>
+            <a:r>
+              <a:rPr lang="pt-BR" dirty="0"/>
+              <a:t>const square = (n) =&gt; n * n;</a:t>
+            </a:r>
+          </a:p>
+          <a:p>
+            <a:pPr marL="0" indent="0">
+              <a:buNone/>
+            </a:pPr>
+            <a:endParaRPr lang="en-US" dirty="0"/>
+          </a:p>
+        </p:txBody>
+      </p:sp>
+      <p:sp>
+        <p:nvSpPr>
+          <p:cNvPr id="5" name="Text Placeholder 4">
+            <a:extLst>
+              <a:ext uri="{FF2B5EF4-FFF2-40B4-BE49-F238E27FC236}">
+                <a16:creationId xmlns:a16="http://schemas.microsoft.com/office/drawing/2014/main" id="{59E465B2-3BA7-85D0-793D-0F68F74AC820}"/>
+              </a:ext>
+            </a:extLst>
+          </p:cNvPr>
+          <p:cNvSpPr>
+            <a:spLocks noGrp="1"/>
+          </p:cNvSpPr>
+          <p:nvPr>
+            <p:ph type="body" sz="quarter" idx="3"/>
+          </p:nvPr>
+        </p:nvSpPr>
+        <p:spPr/>
+        <p:txBody>
+          <a:bodyPr/>
+          <a:lstStyle/>
+          <a:p>
+            <a:r>
+              <a:rPr lang="en-US" dirty="0"/>
+              <a:t>Zero Parameter</a:t>
+            </a:r>
+          </a:p>
+        </p:txBody>
+      </p:sp>
+      <p:sp>
+        <p:nvSpPr>
+          <p:cNvPr id="6" name="Content Placeholder 5">
+            <a:extLst>
+              <a:ext uri="{FF2B5EF4-FFF2-40B4-BE49-F238E27FC236}">
+                <a16:creationId xmlns:a16="http://schemas.microsoft.com/office/drawing/2014/main" id="{51AB34AB-99BD-B7F5-3576-FE323BB42C06}"/>
+              </a:ext>
+            </a:extLst>
+          </p:cNvPr>
+          <p:cNvSpPr>
+            <a:spLocks noGrp="1"/>
+          </p:cNvSpPr>
+          <p:nvPr>
+            <p:ph sz="quarter" idx="4"/>
+          </p:nvPr>
+        </p:nvSpPr>
+        <p:spPr/>
+        <p:txBody>
+          <a:bodyPr/>
+          <a:lstStyle/>
+          <a:p>
+            <a:pPr marL="0" indent="0">
+              <a:buNone/>
+            </a:pPr>
+            <a:r>
+              <a:rPr lang="nn-NO" dirty="0"/>
+              <a:t>const sayHello = () =&gt; console.log("Hello!");</a:t>
+            </a:r>
+          </a:p>
+          <a:p>
+            <a:pPr marL="0" indent="0">
+              <a:buNone/>
+            </a:pPr>
+            <a:endParaRPr lang="en-US" dirty="0"/>
+          </a:p>
+        </p:txBody>
+      </p:sp>
+    </p:spTree>
+    <p:extLst>
+      <p:ext uri="{BB962C8B-B14F-4D97-AF65-F5344CB8AC3E}">
+        <p14:creationId xmlns:p14="http://schemas.microsoft.com/office/powerpoint/2010/main" val="1288919852"/>
+      </p:ext>
+    </p:extLst>
+  </p:cSld>
+  <p:clrMapOvr>
+    <a:masterClrMapping/>
   </p:clrMapOvr>
 </p:sld>
 </file>

--- a/pdf/CSS GRID.pptx
+++ b/pdf/CSS GRID.pptx
@@ -488,7 +488,7 @@
           <a:p>
             <a:fld id="{1BB75345-529D-4AF0-9650-DF65D3362993}" type="datetimeFigureOut">
               <a:rPr lang="en-US" smtClean="0"/>
-              <a:t>12/5/2025</a:t>
+              <a:t>12/7/2025</a:t>
             </a:fld>
             <a:endParaRPr lang="en-US"/>
           </a:p>
@@ -1583,7 +1583,7 @@
           <a:p>
             <a:fld id="{1BB75345-529D-4AF0-9650-DF65D3362993}" type="datetimeFigureOut">
               <a:rPr lang="en-US" smtClean="0"/>
-              <a:t>12/5/2025</a:t>
+              <a:t>12/7/2025</a:t>
             </a:fld>
             <a:endParaRPr lang="en-US"/>
           </a:p>
@@ -2563,7 +2563,7 @@
           <a:p>
             <a:fld id="{1BB75345-529D-4AF0-9650-DF65D3362993}" type="datetimeFigureOut">
               <a:rPr lang="en-US" smtClean="0"/>
-              <a:t>12/5/2025</a:t>
+              <a:t>12/7/2025</a:t>
             </a:fld>
             <a:endParaRPr lang="en-US"/>
           </a:p>
@@ -3697,7 +3697,7 @@
           <a:p>
             <a:fld id="{1BB75345-529D-4AF0-9650-DF65D3362993}" type="datetimeFigureOut">
               <a:rPr lang="en-US" smtClean="0"/>
-              <a:t>12/5/2025</a:t>
+              <a:t>12/7/2025</a:t>
             </a:fld>
             <a:endParaRPr lang="en-US"/>
           </a:p>
@@ -4730,7 +4730,7 @@
           <a:p>
             <a:fld id="{1BB75345-529D-4AF0-9650-DF65D3362993}" type="datetimeFigureOut">
               <a:rPr lang="en-US" smtClean="0"/>
-              <a:t>12/5/2025</a:t>
+              <a:t>12/7/2025</a:t>
             </a:fld>
             <a:endParaRPr lang="en-US"/>
           </a:p>
@@ -5390,7 +5390,7 @@
           <a:p>
             <a:fld id="{1BB75345-529D-4AF0-9650-DF65D3362993}" type="datetimeFigureOut">
               <a:rPr lang="en-US" smtClean="0"/>
-              <a:t>12/5/2025</a:t>
+              <a:t>12/7/2025</a:t>
             </a:fld>
             <a:endParaRPr lang="en-US"/>
           </a:p>
@@ -6251,7 +6251,7 @@
           <a:p>
             <a:fld id="{1BB75345-529D-4AF0-9650-DF65D3362993}" type="datetimeFigureOut">
               <a:rPr lang="en-US" smtClean="0"/>
-              <a:t>12/5/2025</a:t>
+              <a:t>12/7/2025</a:t>
             </a:fld>
             <a:endParaRPr lang="en-US"/>
           </a:p>
@@ -6441,7 +6441,7 @@
           <a:p>
             <a:fld id="{1BB75345-529D-4AF0-9650-DF65D3362993}" type="datetimeFigureOut">
               <a:rPr lang="en-US" smtClean="0"/>
-              <a:t>12/5/2025</a:t>
+              <a:t>12/7/2025</a:t>
             </a:fld>
             <a:endParaRPr lang="en-US"/>
           </a:p>
@@ -7413,7 +7413,7 @@
           <a:p>
             <a:fld id="{1BB75345-529D-4AF0-9650-DF65D3362993}" type="datetimeFigureOut">
               <a:rPr lang="en-US" smtClean="0"/>
-              <a:t>12/5/2025</a:t>
+              <a:t>12/7/2025</a:t>
             </a:fld>
             <a:endParaRPr lang="en-US"/>
           </a:p>
@@ -7624,7 +7624,7 @@
           <a:p>
             <a:fld id="{1BB75345-529D-4AF0-9650-DF65D3362993}" type="datetimeFigureOut">
               <a:rPr lang="en-US" smtClean="0"/>
-              <a:t>12/5/2025</a:t>
+              <a:t>12/7/2025</a:t>
             </a:fld>
             <a:endParaRPr lang="en-US"/>
           </a:p>
@@ -8658,7 +8658,7 @@
           <a:p>
             <a:fld id="{1BB75345-529D-4AF0-9650-DF65D3362993}" type="datetimeFigureOut">
               <a:rPr lang="en-US" smtClean="0"/>
-              <a:t>12/5/2025</a:t>
+              <a:t>12/7/2025</a:t>
             </a:fld>
             <a:endParaRPr lang="en-US"/>
           </a:p>
@@ -8930,7 +8930,7 @@
           <a:p>
             <a:fld id="{1BB75345-529D-4AF0-9650-DF65D3362993}" type="datetimeFigureOut">
               <a:rPr lang="en-US" smtClean="0"/>
-              <a:t>12/5/2025</a:t>
+              <a:t>12/7/2025</a:t>
             </a:fld>
             <a:endParaRPr lang="en-US"/>
           </a:p>
@@ -9340,7 +9340,7 @@
           <a:p>
             <a:fld id="{1BB75345-529D-4AF0-9650-DF65D3362993}" type="datetimeFigureOut">
               <a:rPr lang="en-US" smtClean="0"/>
-              <a:t>12/5/2025</a:t>
+              <a:t>12/7/2025</a:t>
             </a:fld>
             <a:endParaRPr lang="en-US"/>
           </a:p>
@@ -9467,7 +9467,7 @@
           <a:p>
             <a:fld id="{1BB75345-529D-4AF0-9650-DF65D3362993}" type="datetimeFigureOut">
               <a:rPr lang="en-US" smtClean="0"/>
-              <a:t>12/5/2025</a:t>
+              <a:t>12/7/2025</a:t>
             </a:fld>
             <a:endParaRPr lang="en-US"/>
           </a:p>
@@ -9562,7 +9562,7 @@
           <a:p>
             <a:fld id="{1BB75345-529D-4AF0-9650-DF65D3362993}" type="datetimeFigureOut">
               <a:rPr lang="en-US" smtClean="0"/>
-              <a:t>12/5/2025</a:t>
+              <a:t>12/7/2025</a:t>
             </a:fld>
             <a:endParaRPr lang="en-US"/>
           </a:p>
@@ -10643,7 +10643,7 @@
           <a:p>
             <a:fld id="{1BB75345-529D-4AF0-9650-DF65D3362993}" type="datetimeFigureOut">
               <a:rPr lang="en-US" smtClean="0"/>
-              <a:t>12/5/2025</a:t>
+              <a:t>12/7/2025</a:t>
             </a:fld>
             <a:endParaRPr lang="en-US"/>
           </a:p>
@@ -11751,7 +11751,7 @@
           <a:p>
             <a:fld id="{1BB75345-529D-4AF0-9650-DF65D3362993}" type="datetimeFigureOut">
               <a:rPr lang="en-US" smtClean="0"/>
-              <a:t>12/5/2025</a:t>
+              <a:t>12/7/2025</a:t>
             </a:fld>
             <a:endParaRPr lang="en-US"/>
           </a:p>
@@ -12811,7 +12811,7 @@
           <a:p>
             <a:fld id="{1BB75345-529D-4AF0-9650-DF65D3362993}" type="datetimeFigureOut">
               <a:rPr lang="en-US" smtClean="0"/>
-              <a:t>12/5/2025</a:t>
+              <a:t>12/7/2025</a:t>
             </a:fld>
             <a:endParaRPr lang="en-US"/>
           </a:p>

--- a/pdf/CSS GRID.pptx
+++ b/pdf/CSS GRID.pptx
@@ -25,6 +25,8 @@
     <p:sldId id="273" r:id="rId19"/>
     <p:sldId id="274" r:id="rId20"/>
     <p:sldId id="275" r:id="rId21"/>
+    <p:sldId id="276" r:id="rId22"/>
+    <p:sldId id="277" r:id="rId23"/>
   </p:sldIdLst>
   <p:sldSz cx="12192000" cy="6858000"/>
   <p:notesSz cx="6858000" cy="9144000"/>
@@ -488,7 +490,7 @@
           <a:p>
             <a:fld id="{1BB75345-529D-4AF0-9650-DF65D3362993}" type="datetimeFigureOut">
               <a:rPr lang="en-US" smtClean="0"/>
-              <a:t>12/7/2025</a:t>
+              <a:t>12/8/2025</a:t>
             </a:fld>
             <a:endParaRPr lang="en-US"/>
           </a:p>
@@ -1583,7 +1585,7 @@
           <a:p>
             <a:fld id="{1BB75345-529D-4AF0-9650-DF65D3362993}" type="datetimeFigureOut">
               <a:rPr lang="en-US" smtClean="0"/>
-              <a:t>12/7/2025</a:t>
+              <a:t>12/8/2025</a:t>
             </a:fld>
             <a:endParaRPr lang="en-US"/>
           </a:p>
@@ -2563,7 +2565,7 @@
           <a:p>
             <a:fld id="{1BB75345-529D-4AF0-9650-DF65D3362993}" type="datetimeFigureOut">
               <a:rPr lang="en-US" smtClean="0"/>
-              <a:t>12/7/2025</a:t>
+              <a:t>12/8/2025</a:t>
             </a:fld>
             <a:endParaRPr lang="en-US"/>
           </a:p>
@@ -3697,7 +3699,7 @@
           <a:p>
             <a:fld id="{1BB75345-529D-4AF0-9650-DF65D3362993}" type="datetimeFigureOut">
               <a:rPr lang="en-US" smtClean="0"/>
-              <a:t>12/7/2025</a:t>
+              <a:t>12/8/2025</a:t>
             </a:fld>
             <a:endParaRPr lang="en-US"/>
           </a:p>
@@ -4730,7 +4732,7 @@
           <a:p>
             <a:fld id="{1BB75345-529D-4AF0-9650-DF65D3362993}" type="datetimeFigureOut">
               <a:rPr lang="en-US" smtClean="0"/>
-              <a:t>12/7/2025</a:t>
+              <a:t>12/8/2025</a:t>
             </a:fld>
             <a:endParaRPr lang="en-US"/>
           </a:p>
@@ -5390,7 +5392,7 @@
           <a:p>
             <a:fld id="{1BB75345-529D-4AF0-9650-DF65D3362993}" type="datetimeFigureOut">
               <a:rPr lang="en-US" smtClean="0"/>
-              <a:t>12/7/2025</a:t>
+              <a:t>12/8/2025</a:t>
             </a:fld>
             <a:endParaRPr lang="en-US"/>
           </a:p>
@@ -6251,7 +6253,7 @@
           <a:p>
             <a:fld id="{1BB75345-529D-4AF0-9650-DF65D3362993}" type="datetimeFigureOut">
               <a:rPr lang="en-US" smtClean="0"/>
-              <a:t>12/7/2025</a:t>
+              <a:t>12/8/2025</a:t>
             </a:fld>
             <a:endParaRPr lang="en-US"/>
           </a:p>
@@ -6441,7 +6443,7 @@
           <a:p>
             <a:fld id="{1BB75345-529D-4AF0-9650-DF65D3362993}" type="datetimeFigureOut">
               <a:rPr lang="en-US" smtClean="0"/>
-              <a:t>12/7/2025</a:t>
+              <a:t>12/8/2025</a:t>
             </a:fld>
             <a:endParaRPr lang="en-US"/>
           </a:p>
@@ -7413,7 +7415,7 @@
           <a:p>
             <a:fld id="{1BB75345-529D-4AF0-9650-DF65D3362993}" type="datetimeFigureOut">
               <a:rPr lang="en-US" smtClean="0"/>
-              <a:t>12/7/2025</a:t>
+              <a:t>12/8/2025</a:t>
             </a:fld>
             <a:endParaRPr lang="en-US"/>
           </a:p>
@@ -7624,7 +7626,7 @@
           <a:p>
             <a:fld id="{1BB75345-529D-4AF0-9650-DF65D3362993}" type="datetimeFigureOut">
               <a:rPr lang="en-US" smtClean="0"/>
-              <a:t>12/7/2025</a:t>
+              <a:t>12/8/2025</a:t>
             </a:fld>
             <a:endParaRPr lang="en-US"/>
           </a:p>
@@ -8658,7 +8660,7 @@
           <a:p>
             <a:fld id="{1BB75345-529D-4AF0-9650-DF65D3362993}" type="datetimeFigureOut">
               <a:rPr lang="en-US" smtClean="0"/>
-              <a:t>12/7/2025</a:t>
+              <a:t>12/8/2025</a:t>
             </a:fld>
             <a:endParaRPr lang="en-US"/>
           </a:p>
@@ -8930,7 +8932,7 @@
           <a:p>
             <a:fld id="{1BB75345-529D-4AF0-9650-DF65D3362993}" type="datetimeFigureOut">
               <a:rPr lang="en-US" smtClean="0"/>
-              <a:t>12/7/2025</a:t>
+              <a:t>12/8/2025</a:t>
             </a:fld>
             <a:endParaRPr lang="en-US"/>
           </a:p>
@@ -9340,7 +9342,7 @@
           <a:p>
             <a:fld id="{1BB75345-529D-4AF0-9650-DF65D3362993}" type="datetimeFigureOut">
               <a:rPr lang="en-US" smtClean="0"/>
-              <a:t>12/7/2025</a:t>
+              <a:t>12/8/2025</a:t>
             </a:fld>
             <a:endParaRPr lang="en-US"/>
           </a:p>
@@ -9467,7 +9469,7 @@
           <a:p>
             <a:fld id="{1BB75345-529D-4AF0-9650-DF65D3362993}" type="datetimeFigureOut">
               <a:rPr lang="en-US" smtClean="0"/>
-              <a:t>12/7/2025</a:t>
+              <a:t>12/8/2025</a:t>
             </a:fld>
             <a:endParaRPr lang="en-US"/>
           </a:p>
@@ -9562,7 +9564,7 @@
           <a:p>
             <a:fld id="{1BB75345-529D-4AF0-9650-DF65D3362993}" type="datetimeFigureOut">
               <a:rPr lang="en-US" smtClean="0"/>
-              <a:t>12/7/2025</a:t>
+              <a:t>12/8/2025</a:t>
             </a:fld>
             <a:endParaRPr lang="en-US"/>
           </a:p>
@@ -10643,7 +10645,7 @@
           <a:p>
             <a:fld id="{1BB75345-529D-4AF0-9650-DF65D3362993}" type="datetimeFigureOut">
               <a:rPr lang="en-US" smtClean="0"/>
-              <a:t>12/7/2025</a:t>
+              <a:t>12/8/2025</a:t>
             </a:fld>
             <a:endParaRPr lang="en-US"/>
           </a:p>
@@ -11751,7 +11753,7 @@
           <a:p>
             <a:fld id="{1BB75345-529D-4AF0-9650-DF65D3362993}" type="datetimeFigureOut">
               <a:rPr lang="en-US" smtClean="0"/>
-              <a:t>12/7/2025</a:t>
+              <a:t>12/8/2025</a:t>
             </a:fld>
             <a:endParaRPr lang="en-US"/>
           </a:p>
@@ -12811,7 +12813,7 @@
           <a:p>
             <a:fld id="{1BB75345-529D-4AF0-9650-DF65D3362993}" type="datetimeFigureOut">
               <a:rPr lang="en-US" smtClean="0"/>
-              <a:t>12/7/2025</a:t>
+              <a:t>12/8/2025</a:t>
             </a:fld>
             <a:endParaRPr lang="en-US"/>
           </a:p>
@@ -16290,6 +16292,273 @@
 </p:sld>
 </file>
 
+<file path=ppt/slides/slide21.xml><?xml version="1.0" encoding="utf-8"?>
+<p:sld xmlns:a="http://schemas.openxmlformats.org/drawingml/2006/main" xmlns:r="http://schemas.openxmlformats.org/officeDocument/2006/relationships" xmlns:p="http://schemas.openxmlformats.org/presentationml/2006/main">
+  <p:cSld>
+    <p:spTree>
+      <p:nvGrpSpPr>
+        <p:cNvPr id="1" name=""/>
+        <p:cNvGrpSpPr/>
+        <p:nvPr/>
+      </p:nvGrpSpPr>
+      <p:grpSpPr>
+        <a:xfrm>
+          <a:off x="0" y="0"/>
+          <a:ext cx="0" cy="0"/>
+          <a:chOff x="0" y="0"/>
+          <a:chExt cx="0" cy="0"/>
+        </a:xfrm>
+      </p:grpSpPr>
+      <p:sp>
+        <p:nvSpPr>
+          <p:cNvPr id="7" name="Title 6">
+            <a:extLst>
+              <a:ext uri="{FF2B5EF4-FFF2-40B4-BE49-F238E27FC236}">
+                <a16:creationId xmlns:a16="http://schemas.microsoft.com/office/drawing/2014/main" id="{7D871E9B-D004-D4C6-9AFA-68CF7C1E1C9F}"/>
+              </a:ext>
+            </a:extLst>
+          </p:cNvPr>
+          <p:cNvSpPr>
+            <a:spLocks noGrp="1"/>
+          </p:cNvSpPr>
+          <p:nvPr>
+            <p:ph type="title"/>
+          </p:nvPr>
+        </p:nvSpPr>
+        <p:spPr/>
+        <p:txBody>
+          <a:bodyPr/>
+          <a:lstStyle/>
+          <a:p>
+            <a:r>
+              <a:rPr lang="en-US" dirty="0"/>
+              <a:t>Object</a:t>
+            </a:r>
+          </a:p>
+        </p:txBody>
+      </p:sp>
+      <p:sp>
+        <p:nvSpPr>
+          <p:cNvPr id="8" name="Content Placeholder 7">
+            <a:extLst>
+              <a:ext uri="{FF2B5EF4-FFF2-40B4-BE49-F238E27FC236}">
+                <a16:creationId xmlns:a16="http://schemas.microsoft.com/office/drawing/2014/main" id="{D0DE0E2D-EE50-6357-3CB1-34305BE5944C}"/>
+              </a:ext>
+            </a:extLst>
+          </p:cNvPr>
+          <p:cNvSpPr>
+            <a:spLocks noGrp="1"/>
+          </p:cNvSpPr>
+          <p:nvPr>
+            <p:ph sz="half" idx="1"/>
+          </p:nvPr>
+        </p:nvSpPr>
+        <p:spPr/>
+        <p:txBody>
+          <a:bodyPr/>
+          <a:lstStyle/>
+          <a:p>
+            <a:r>
+              <a:rPr lang="en-US" dirty="0"/>
+              <a:t>Key value pair for structured data</a:t>
+            </a:r>
+          </a:p>
+          <a:p>
+            <a:pPr marL="0" indent="0">
+              <a:buNone/>
+            </a:pPr>
+            <a:endParaRPr lang="en-US" dirty="0"/>
+          </a:p>
+          <a:p>
+            <a:pPr marL="0" indent="0">
+              <a:buNone/>
+            </a:pPr>
+            <a:r>
+              <a:rPr lang="en-US" dirty="0"/>
+              <a:t>Example:</a:t>
+            </a:r>
+          </a:p>
+          <a:p>
+            <a:pPr marL="0" indent="0">
+              <a:buNone/>
+            </a:pPr>
+            <a:r>
+              <a:rPr lang="en-US" dirty="0"/>
+              <a:t>let student = { name: "Adarsh", age: 20, grades: [85, 90, 78] };</a:t>
+            </a:r>
+          </a:p>
+          <a:p>
+            <a:pPr marL="0" indent="0">
+              <a:buNone/>
+            </a:pPr>
+            <a:endParaRPr lang="en-US" dirty="0"/>
+          </a:p>
+          <a:p>
+            <a:pPr marL="0" indent="0">
+              <a:buNone/>
+            </a:pPr>
+            <a:endParaRPr lang="en-US" dirty="0"/>
+          </a:p>
+        </p:txBody>
+      </p:sp>
+      <p:sp>
+        <p:nvSpPr>
+          <p:cNvPr id="9" name="Content Placeholder 8">
+            <a:extLst>
+              <a:ext uri="{FF2B5EF4-FFF2-40B4-BE49-F238E27FC236}">
+                <a16:creationId xmlns:a16="http://schemas.microsoft.com/office/drawing/2014/main" id="{46C571D3-E5FF-919F-21C3-D709C54B7DF4}"/>
+              </a:ext>
+            </a:extLst>
+          </p:cNvPr>
+          <p:cNvSpPr>
+            <a:spLocks noGrp="1"/>
+          </p:cNvSpPr>
+          <p:nvPr>
+            <p:ph sz="half" idx="2"/>
+          </p:nvPr>
+        </p:nvSpPr>
+        <p:spPr/>
+        <p:txBody>
+          <a:bodyPr/>
+          <a:lstStyle/>
+          <a:p>
+            <a:r>
+              <a:rPr lang="en-US" dirty="0"/>
+              <a:t>Methods</a:t>
+            </a:r>
+          </a:p>
+          <a:p>
+            <a:r>
+              <a:rPr lang="en-US" dirty="0"/>
+              <a:t>Examples in the file</a:t>
+            </a:r>
+          </a:p>
+        </p:txBody>
+      </p:sp>
+    </p:spTree>
+    <p:extLst>
+      <p:ext uri="{BB962C8B-B14F-4D97-AF65-F5344CB8AC3E}">
+        <p14:creationId xmlns:p14="http://schemas.microsoft.com/office/powerpoint/2010/main" val="3894752074"/>
+      </p:ext>
+    </p:extLst>
+  </p:cSld>
+  <p:clrMapOvr>
+    <a:masterClrMapping/>
+  </p:clrMapOvr>
+</p:sld>
+</file>
+
+<file path=ppt/slides/slide22.xml><?xml version="1.0" encoding="utf-8"?>
+<p:sld xmlns:a="http://schemas.openxmlformats.org/drawingml/2006/main" xmlns:r="http://schemas.openxmlformats.org/officeDocument/2006/relationships" xmlns:p="http://schemas.openxmlformats.org/presentationml/2006/main">
+  <p:cSld>
+    <p:spTree>
+      <p:nvGrpSpPr>
+        <p:cNvPr id="1" name=""/>
+        <p:cNvGrpSpPr/>
+        <p:nvPr/>
+      </p:nvGrpSpPr>
+      <p:grpSpPr>
+        <a:xfrm>
+          <a:off x="0" y="0"/>
+          <a:ext cx="0" cy="0"/>
+          <a:chOff x="0" y="0"/>
+          <a:chExt cx="0" cy="0"/>
+        </a:xfrm>
+      </p:grpSpPr>
+      <p:sp>
+        <p:nvSpPr>
+          <p:cNvPr id="2" name="Title 1">
+            <a:extLst>
+              <a:ext uri="{FF2B5EF4-FFF2-40B4-BE49-F238E27FC236}">
+                <a16:creationId xmlns:a16="http://schemas.microsoft.com/office/drawing/2014/main" id="{A2EBF4E0-3811-A72E-4622-6C5AE33846E7}"/>
+              </a:ext>
+            </a:extLst>
+          </p:cNvPr>
+          <p:cNvSpPr>
+            <a:spLocks noGrp="1"/>
+          </p:cNvSpPr>
+          <p:nvPr>
+            <p:ph type="title"/>
+          </p:nvPr>
+        </p:nvSpPr>
+        <p:spPr/>
+        <p:txBody>
+          <a:bodyPr/>
+          <a:lstStyle/>
+          <a:p>
+            <a:r>
+              <a:rPr lang="en-US" dirty="0"/>
+              <a:t>Dom Manipulation</a:t>
+            </a:r>
+          </a:p>
+        </p:txBody>
+      </p:sp>
+      <p:sp>
+        <p:nvSpPr>
+          <p:cNvPr id="3" name="Content Placeholder 2">
+            <a:extLst>
+              <a:ext uri="{FF2B5EF4-FFF2-40B4-BE49-F238E27FC236}">
+                <a16:creationId xmlns:a16="http://schemas.microsoft.com/office/drawing/2014/main" id="{2E6C7824-5ACC-3E18-AC58-C1C4CEE7305A}"/>
+              </a:ext>
+            </a:extLst>
+          </p:cNvPr>
+          <p:cNvSpPr>
+            <a:spLocks noGrp="1"/>
+          </p:cNvSpPr>
+          <p:nvPr>
+            <p:ph sz="half" idx="1"/>
+          </p:nvPr>
+        </p:nvSpPr>
+        <p:spPr/>
+        <p:txBody>
+          <a:bodyPr/>
+          <a:lstStyle/>
+          <a:p>
+            <a:r>
+              <a:rPr lang="en-US" dirty="0"/>
+              <a:t>For next day</a:t>
+            </a:r>
+          </a:p>
+        </p:txBody>
+      </p:sp>
+      <p:sp>
+        <p:nvSpPr>
+          <p:cNvPr id="4" name="Content Placeholder 3">
+            <a:extLst>
+              <a:ext uri="{FF2B5EF4-FFF2-40B4-BE49-F238E27FC236}">
+                <a16:creationId xmlns:a16="http://schemas.microsoft.com/office/drawing/2014/main" id="{D3857EE2-54D5-7221-5D25-D0DABA545B51}"/>
+              </a:ext>
+            </a:extLst>
+          </p:cNvPr>
+          <p:cNvSpPr>
+            <a:spLocks noGrp="1"/>
+          </p:cNvSpPr>
+          <p:nvPr>
+            <p:ph sz="half" idx="2"/>
+          </p:nvPr>
+        </p:nvSpPr>
+        <p:spPr/>
+        <p:txBody>
+          <a:bodyPr/>
+          <a:lstStyle/>
+          <a:p>
+            <a:endParaRPr lang="en-US" dirty="0"/>
+          </a:p>
+        </p:txBody>
+      </p:sp>
+    </p:spTree>
+    <p:extLst>
+      <p:ext uri="{BB962C8B-B14F-4D97-AF65-F5344CB8AC3E}">
+        <p14:creationId xmlns:p14="http://schemas.microsoft.com/office/powerpoint/2010/main" val="2450485898"/>
+      </p:ext>
+    </p:extLst>
+  </p:cSld>
+  <p:clrMapOvr>
+    <a:masterClrMapping/>
+  </p:clrMapOvr>
+</p:sld>
+</file>
+
 <file path=ppt/slides/slide3.xml><?xml version="1.0" encoding="utf-8"?>
 <p:sld xmlns:a="http://schemas.openxmlformats.org/drawingml/2006/main" xmlns:r="http://schemas.openxmlformats.org/officeDocument/2006/relationships" xmlns:p="http://schemas.openxmlformats.org/presentationml/2006/main">
   <p:cSld>

--- a/pdf/CSS GRID.pptx
+++ b/pdf/CSS GRID.pptx
@@ -490,7 +490,7 @@
           <a:p>
             <a:fld id="{1BB75345-529D-4AF0-9650-DF65D3362993}" type="datetimeFigureOut">
               <a:rPr lang="en-US" smtClean="0"/>
-              <a:t>12/8/2025</a:t>
+              <a:t>12/9/2025</a:t>
             </a:fld>
             <a:endParaRPr lang="en-US"/>
           </a:p>
@@ -1585,7 +1585,7 @@
           <a:p>
             <a:fld id="{1BB75345-529D-4AF0-9650-DF65D3362993}" type="datetimeFigureOut">
               <a:rPr lang="en-US" smtClean="0"/>
-              <a:t>12/8/2025</a:t>
+              <a:t>12/9/2025</a:t>
             </a:fld>
             <a:endParaRPr lang="en-US"/>
           </a:p>
@@ -2565,7 +2565,7 @@
           <a:p>
             <a:fld id="{1BB75345-529D-4AF0-9650-DF65D3362993}" type="datetimeFigureOut">
               <a:rPr lang="en-US" smtClean="0"/>
-              <a:t>12/8/2025</a:t>
+              <a:t>12/9/2025</a:t>
             </a:fld>
             <a:endParaRPr lang="en-US"/>
           </a:p>
@@ -3699,7 +3699,7 @@
           <a:p>
             <a:fld id="{1BB75345-529D-4AF0-9650-DF65D3362993}" type="datetimeFigureOut">
               <a:rPr lang="en-US" smtClean="0"/>
-              <a:t>12/8/2025</a:t>
+              <a:t>12/9/2025</a:t>
             </a:fld>
             <a:endParaRPr lang="en-US"/>
           </a:p>
@@ -4732,7 +4732,7 @@
           <a:p>
             <a:fld id="{1BB75345-529D-4AF0-9650-DF65D3362993}" type="datetimeFigureOut">
               <a:rPr lang="en-US" smtClean="0"/>
-              <a:t>12/8/2025</a:t>
+              <a:t>12/9/2025</a:t>
             </a:fld>
             <a:endParaRPr lang="en-US"/>
           </a:p>
@@ -5392,7 +5392,7 @@
           <a:p>
             <a:fld id="{1BB75345-529D-4AF0-9650-DF65D3362993}" type="datetimeFigureOut">
               <a:rPr lang="en-US" smtClean="0"/>
-              <a:t>12/8/2025</a:t>
+              <a:t>12/9/2025</a:t>
             </a:fld>
             <a:endParaRPr lang="en-US"/>
           </a:p>
@@ -6253,7 +6253,7 @@
           <a:p>
             <a:fld id="{1BB75345-529D-4AF0-9650-DF65D3362993}" type="datetimeFigureOut">
               <a:rPr lang="en-US" smtClean="0"/>
-              <a:t>12/8/2025</a:t>
+              <a:t>12/9/2025</a:t>
             </a:fld>
             <a:endParaRPr lang="en-US"/>
           </a:p>
@@ -6443,7 +6443,7 @@
           <a:p>
             <a:fld id="{1BB75345-529D-4AF0-9650-DF65D3362993}" type="datetimeFigureOut">
               <a:rPr lang="en-US" smtClean="0"/>
-              <a:t>12/8/2025</a:t>
+              <a:t>12/9/2025</a:t>
             </a:fld>
             <a:endParaRPr lang="en-US"/>
           </a:p>
@@ -7415,7 +7415,7 @@
           <a:p>
             <a:fld id="{1BB75345-529D-4AF0-9650-DF65D3362993}" type="datetimeFigureOut">
               <a:rPr lang="en-US" smtClean="0"/>
-              <a:t>12/8/2025</a:t>
+              <a:t>12/9/2025</a:t>
             </a:fld>
             <a:endParaRPr lang="en-US"/>
           </a:p>
@@ -7626,7 +7626,7 @@
           <a:p>
             <a:fld id="{1BB75345-529D-4AF0-9650-DF65D3362993}" type="datetimeFigureOut">
               <a:rPr lang="en-US" smtClean="0"/>
-              <a:t>12/8/2025</a:t>
+              <a:t>12/9/2025</a:t>
             </a:fld>
             <a:endParaRPr lang="en-US"/>
           </a:p>
@@ -8660,7 +8660,7 @@
           <a:p>
             <a:fld id="{1BB75345-529D-4AF0-9650-DF65D3362993}" type="datetimeFigureOut">
               <a:rPr lang="en-US" smtClean="0"/>
-              <a:t>12/8/2025</a:t>
+              <a:t>12/9/2025</a:t>
             </a:fld>
             <a:endParaRPr lang="en-US"/>
           </a:p>
@@ -8932,7 +8932,7 @@
           <a:p>
             <a:fld id="{1BB75345-529D-4AF0-9650-DF65D3362993}" type="datetimeFigureOut">
               <a:rPr lang="en-US" smtClean="0"/>
-              <a:t>12/8/2025</a:t>
+              <a:t>12/9/2025</a:t>
             </a:fld>
             <a:endParaRPr lang="en-US"/>
           </a:p>
@@ -9342,7 +9342,7 @@
           <a:p>
             <a:fld id="{1BB75345-529D-4AF0-9650-DF65D3362993}" type="datetimeFigureOut">
               <a:rPr lang="en-US" smtClean="0"/>
-              <a:t>12/8/2025</a:t>
+              <a:t>12/9/2025</a:t>
             </a:fld>
             <a:endParaRPr lang="en-US"/>
           </a:p>
@@ -9469,7 +9469,7 @@
           <a:p>
             <a:fld id="{1BB75345-529D-4AF0-9650-DF65D3362993}" type="datetimeFigureOut">
               <a:rPr lang="en-US" smtClean="0"/>
-              <a:t>12/8/2025</a:t>
+              <a:t>12/9/2025</a:t>
             </a:fld>
             <a:endParaRPr lang="en-US"/>
           </a:p>
@@ -9564,7 +9564,7 @@
           <a:p>
             <a:fld id="{1BB75345-529D-4AF0-9650-DF65D3362993}" type="datetimeFigureOut">
               <a:rPr lang="en-US" smtClean="0"/>
-              <a:t>12/8/2025</a:t>
+              <a:t>12/9/2025</a:t>
             </a:fld>
             <a:endParaRPr lang="en-US"/>
           </a:p>
@@ -10645,7 +10645,7 @@
           <a:p>
             <a:fld id="{1BB75345-529D-4AF0-9650-DF65D3362993}" type="datetimeFigureOut">
               <a:rPr lang="en-US" smtClean="0"/>
-              <a:t>12/8/2025</a:t>
+              <a:t>12/9/2025</a:t>
             </a:fld>
             <a:endParaRPr lang="en-US"/>
           </a:p>
@@ -11753,7 +11753,7 @@
           <a:p>
             <a:fld id="{1BB75345-529D-4AF0-9650-DF65D3362993}" type="datetimeFigureOut">
               <a:rPr lang="en-US" smtClean="0"/>
-              <a:t>12/8/2025</a:t>
+              <a:t>12/9/2025</a:t>
             </a:fld>
             <a:endParaRPr lang="en-US"/>
           </a:p>
@@ -12813,7 +12813,7 @@
           <a:p>
             <a:fld id="{1BB75345-529D-4AF0-9650-DF65D3362993}" type="datetimeFigureOut">
               <a:rPr lang="en-US" smtClean="0"/>
-              <a:t>12/8/2025</a:t>
+              <a:t>12/9/2025</a:t>
             </a:fld>
             <a:endParaRPr lang="en-US"/>
           </a:p>
